--- a/1º Semestre/Checkpoint 02/Edge Computing - CP02.pptx
+++ b/1º Semestre/Checkpoint 02/Edge Computing - CP02.pptx
@@ -17,7 +17,7 @@
     <p:sldId id="829" r:id="rId8"/>
     <p:sldId id="830" r:id="rId9"/>
     <p:sldId id="827" r:id="rId10"/>
-    <p:sldId id="815" r:id="rId11"/>
+    <p:sldId id="834" r:id="rId11"/>
     <p:sldId id="828" r:id="rId12"/>
     <p:sldId id="812" r:id="rId13"/>
   </p:sldIdLst>
@@ -220,7 +220,7 @@
             <a:fld id="{4EA5E1ED-E65E-440E-8A4B-5F5DC973F797}" type="datetimeFigureOut">
               <a:rPr lang="pt-BR" smtClean="0"/>
               <a:pPr/>
-              <a:t>10/04/2023</a:t>
+              <a:t>19/08/2023</a:t>
             </a:fld>
             <a:endParaRPr lang="pt-BR"/>
           </a:p>
@@ -637,7 +637,7 @@
           <a:p>
             <a:fld id="{1787AD07-0C2A-424C-83EF-FCCF4A0D3BA0}" type="datetime1">
               <a:rPr lang="pt-BR" smtClean="0"/>
-              <a:t>10/04/2023</a:t>
+              <a:t>19/08/2023</a:t>
             </a:fld>
             <a:endParaRPr lang="pt-BR"/>
           </a:p>
@@ -806,7 +806,7 @@
           <a:p>
             <a:fld id="{2F92FB66-59C8-46A5-AD82-5DAAFD2DC390}" type="datetime1">
               <a:rPr lang="pt-BR" smtClean="0"/>
-              <a:t>10/04/2023</a:t>
+              <a:t>19/08/2023</a:t>
             </a:fld>
             <a:endParaRPr lang="pt-BR"/>
           </a:p>
@@ -985,7 +985,7 @@
           <a:p>
             <a:fld id="{3D5CC8D2-C61E-4471-AD68-1C0D45A8EAFC}" type="datetime1">
               <a:rPr lang="pt-BR" smtClean="0"/>
-              <a:t>10/04/2023</a:t>
+              <a:t>19/08/2023</a:t>
             </a:fld>
             <a:endParaRPr lang="pt-BR"/>
           </a:p>
@@ -1128,7 +1128,7 @@
           <a:p>
             <a:fld id="{C3E38981-C08A-4A29-B885-392FB4EE0709}" type="datetime1">
               <a:rPr lang="pt-BR" smtClean="0"/>
-              <a:t>10/04/2023</a:t>
+              <a:t>19/08/2023</a:t>
             </a:fld>
             <a:endParaRPr lang="en-US" dirty="0"/>
           </a:p>
@@ -1513,7 +1513,7 @@
           <a:p>
             <a:fld id="{2CFE63D7-5B4A-40A4-8FD4-EA63D1010EB7}" type="datetime1">
               <a:rPr lang="pt-BR" smtClean="0"/>
-              <a:t>10/04/2023</a:t>
+              <a:t>19/08/2023</a:t>
             </a:fld>
             <a:endParaRPr lang="en-US" dirty="0"/>
           </a:p>
@@ -1735,7 +1735,7 @@
           <a:p>
             <a:fld id="{A9719147-5557-4D76-A2C3-BF25882771D2}" type="datetime1">
               <a:rPr lang="pt-BR" smtClean="0"/>
-              <a:t>10/04/2023</a:t>
+              <a:t>19/08/2023</a:t>
             </a:fld>
             <a:endParaRPr lang="en-US" dirty="0"/>
           </a:p>
@@ -2048,7 +2048,7 @@
           <a:p>
             <a:fld id="{66250340-7104-44A8-88A9-88532CCE9C1C}" type="datetime1">
               <a:rPr lang="pt-BR" smtClean="0"/>
-              <a:t>10/04/2023</a:t>
+              <a:t>19/08/2023</a:t>
             </a:fld>
             <a:endParaRPr lang="en-US" dirty="0"/>
           </a:p>
@@ -2233,7 +2233,7 @@
           <a:p>
             <a:fld id="{D047EA32-7810-48BE-A9BB-EA3D8AA5AD34}" type="datetime1">
               <a:rPr lang="pt-BR" smtClean="0"/>
-              <a:t>10/04/2023</a:t>
+              <a:t>19/08/2023</a:t>
             </a:fld>
             <a:endParaRPr lang="en-US" dirty="0"/>
           </a:p>
@@ -2381,7 +2381,7 @@
           <a:p>
             <a:fld id="{7C28E9E9-B91F-400E-BE43-87BB4B5C6F4E}" type="datetime1">
               <a:rPr lang="pt-BR" smtClean="0"/>
-              <a:t>10/04/2023</a:t>
+              <a:t>19/08/2023</a:t>
             </a:fld>
             <a:endParaRPr lang="en-US" dirty="0"/>
           </a:p>
@@ -2633,7 +2633,7 @@
           <a:p>
             <a:fld id="{A9E773EA-BFD5-41D4-8CCD-2C9F67DAB481}" type="datetime1">
               <a:rPr lang="pt-BR" smtClean="0"/>
-              <a:t>10/04/2023</a:t>
+              <a:t>19/08/2023</a:t>
             </a:fld>
             <a:endParaRPr lang="pt-BR" dirty="0"/>
           </a:p>
@@ -2835,7 +2835,7 @@
           <a:p>
             <a:fld id="{DAA7C8B6-CF57-4A95-AF6C-A77E6C230ED3}" type="datetime1">
               <a:rPr lang="pt-BR" smtClean="0"/>
-              <a:t>10/04/2023</a:t>
+              <a:t>19/08/2023</a:t>
             </a:fld>
             <a:endParaRPr lang="pt-BR"/>
           </a:p>
@@ -3119,7 +3119,7 @@
           <a:p>
             <a:fld id="{34D50989-24C8-4023-9B0D-A6D249548FD9}" type="datetime1">
               <a:rPr lang="pt-BR" smtClean="0"/>
-              <a:t>10/04/2023</a:t>
+              <a:t>19/08/2023</a:t>
             </a:fld>
             <a:endParaRPr lang="pt-BR"/>
           </a:p>
@@ -3355,7 +3355,7 @@
           <a:p>
             <a:fld id="{8D9BC96A-9776-4585-A439-BC9E2DA226C1}" type="datetime1">
               <a:rPr lang="pt-BR" smtClean="0"/>
-              <a:t>10/04/2023</a:t>
+              <a:t>19/08/2023</a:t>
             </a:fld>
             <a:endParaRPr lang="pt-BR"/>
           </a:p>
@@ -3738,7 +3738,7 @@
           <a:p>
             <a:fld id="{7D12BE36-2922-4567-BD67-201EFA21BF6D}" type="datetime1">
               <a:rPr lang="pt-BR" smtClean="0"/>
-              <a:t>10/04/2023</a:t>
+              <a:t>19/08/2023</a:t>
             </a:fld>
             <a:endParaRPr lang="pt-BR"/>
           </a:p>
@@ -3850,7 +3850,7 @@
           <a:p>
             <a:fld id="{E5B462A9-4B1E-4013-BFB1-FC92225AC2F2}" type="datetime1">
               <a:rPr lang="pt-BR" smtClean="0"/>
-              <a:t>10/04/2023</a:t>
+              <a:t>19/08/2023</a:t>
             </a:fld>
             <a:endParaRPr lang="pt-BR"/>
           </a:p>
@@ -3934,7 +3934,7 @@
           <a:p>
             <a:fld id="{D0E6EC7A-67E7-4978-9BAE-C8F82A40B13B}" type="datetime1">
               <a:rPr lang="pt-BR" smtClean="0"/>
-              <a:t>10/04/2023</a:t>
+              <a:t>19/08/2023</a:t>
             </a:fld>
             <a:endParaRPr lang="pt-BR"/>
           </a:p>
@@ -4216,7 +4216,7 @@
           <a:p>
             <a:fld id="{6E085A4E-80B8-47DD-9D9B-8E1B205CBB30}" type="datetime1">
               <a:rPr lang="pt-BR" smtClean="0"/>
-              <a:t>10/04/2023</a:t>
+              <a:t>19/08/2023</a:t>
             </a:fld>
             <a:endParaRPr lang="pt-BR"/>
           </a:p>
@@ -4475,7 +4475,7 @@
           <a:p>
             <a:fld id="{F4E9A02C-D9AD-4B8C-9B93-B0980E8E86EB}" type="datetime1">
               <a:rPr lang="pt-BR" smtClean="0"/>
-              <a:t>10/04/2023</a:t>
+              <a:t>19/08/2023</a:t>
             </a:fld>
             <a:endParaRPr lang="pt-BR"/>
           </a:p>
@@ -4687,7 +4687,7 @@
           <a:p>
             <a:fld id="{202762D0-3A59-4B14-83BA-8E0FC8A60AB1}" type="datetime1">
               <a:rPr lang="pt-BR" smtClean="0"/>
-              <a:t>10/04/2023</a:t>
+              <a:t>19/08/2023</a:t>
             </a:fld>
             <a:endParaRPr lang="pt-BR"/>
           </a:p>
@@ -10777,8 +10777,8 @@
         </p:nvSpPr>
         <p:spPr>
           <a:xfrm>
-            <a:off x="611560" y="764704"/>
-            <a:ext cx="8280920" cy="4661276"/>
+            <a:off x="611560" y="912958"/>
+            <a:ext cx="8280920" cy="4532266"/>
           </a:xfrm>
           <a:prstGeom prst="rect">
             <a:avLst/>
@@ -10799,64 +10799,127 @@
               <a:buChar char="v"/>
             </a:pPr>
             <a:r>
-              <a:rPr lang="en-US" sz="2000" dirty="0" err="1">
+              <a:rPr lang="en-US" sz="2400" dirty="0">
                 <a:solidFill>
                   <a:srgbClr val="ED265B"/>
                 </a:solidFill>
                 <a:latin typeface="Gotham HTF Light"/>
                 <a:cs typeface="Gotham HTF Light"/>
               </a:rPr>
-              <a:t>Serão</a:t>
-            </a:r>
-            <a:r>
-              <a:rPr lang="en-US" sz="2000" dirty="0">
+              <a:t>Como é </a:t>
+            </a:r>
+            <a:r>
+              <a:rPr lang="en-US" sz="2400" dirty="0" err="1">
                 <a:solidFill>
                   <a:srgbClr val="ED265B"/>
                 </a:solidFill>
                 <a:latin typeface="Gotham HTF Light"/>
                 <a:cs typeface="Gotham HTF Light"/>
               </a:rPr>
-              <a:t> um total de 10 </a:t>
-            </a:r>
-            <a:r>
-              <a:rPr lang="en-US" sz="2000" dirty="0" err="1">
+              <a:t>dividida</a:t>
+            </a:r>
+            <a:r>
+              <a:rPr lang="en-US" sz="2400" dirty="0">
                 <a:solidFill>
                   <a:srgbClr val="ED265B"/>
                 </a:solidFill>
                 <a:latin typeface="Gotham HTF Light"/>
                 <a:cs typeface="Gotham HTF Light"/>
               </a:rPr>
-              <a:t>Pontos</a:t>
-            </a:r>
-            <a:r>
-              <a:rPr lang="en-US" sz="2000" dirty="0">
+              <a:t> a </a:t>
+            </a:r>
+            <a:r>
+              <a:rPr lang="en-US" sz="2400" dirty="0" err="1">
                 <a:solidFill>
                   <a:srgbClr val="ED265B"/>
                 </a:solidFill>
                 <a:latin typeface="Gotham HTF Light"/>
                 <a:cs typeface="Gotham HTF Light"/>
               </a:rPr>
-              <a:t>:</a:t>
-            </a:r>
-          </a:p>
-          <a:p>
-            <a:pPr marL="457200" indent="-457200">
+              <a:t>avaliação</a:t>
+            </a:r>
+            <a:r>
+              <a:rPr lang="en-US" sz="2400" dirty="0">
+                <a:solidFill>
+                  <a:srgbClr val="ED265B"/>
+                </a:solidFill>
+                <a:latin typeface="Gotham HTF Light"/>
+                <a:cs typeface="Gotham HTF Light"/>
+              </a:rPr>
+              <a:t> do checkpoint?</a:t>
+            </a:r>
+          </a:p>
+          <a:p>
+            <a:pPr marL="914400" lvl="1" indent="-457200">
               <a:lnSpc>
                 <a:spcPct val="150000"/>
               </a:lnSpc>
               <a:buFont typeface="Wingdings" panose="05000000000000000000" pitchFamily="2" charset="2"/>
               <a:buChar char="v"/>
             </a:pPr>
-            <a:endParaRPr lang="en-US" sz="2000" dirty="0">
-              <a:solidFill>
-                <a:srgbClr val="ED265B"/>
-              </a:solidFill>
-              <a:latin typeface="Gotham HTF Light"/>
-              <a:cs typeface="Gotham HTF Light"/>
-            </a:endParaRPr>
-          </a:p>
-          <a:p>
-            <a:pPr marL="914400" lvl="1" indent="-457200">
+            <a:r>
+              <a:rPr lang="en-US" sz="2000" dirty="0" err="1">
+                <a:solidFill>
+                  <a:srgbClr val="ED265B"/>
+                </a:solidFill>
+                <a:latin typeface="Gotham HTF Light"/>
+                <a:cs typeface="Gotham HTF Light"/>
+              </a:rPr>
+              <a:t>Serão</a:t>
+            </a:r>
+            <a:r>
+              <a:rPr lang="en-US" sz="2000" dirty="0">
+                <a:solidFill>
+                  <a:srgbClr val="ED265B"/>
+                </a:solidFill>
+                <a:latin typeface="Gotham HTF Light"/>
+                <a:cs typeface="Gotham HTF Light"/>
+              </a:rPr>
+              <a:t> 10 </a:t>
+            </a:r>
+            <a:r>
+              <a:rPr lang="en-US" sz="2000" dirty="0" err="1">
+                <a:solidFill>
+                  <a:srgbClr val="ED265B"/>
+                </a:solidFill>
+                <a:latin typeface="Gotham HTF Light"/>
+                <a:cs typeface="Gotham HTF Light"/>
+              </a:rPr>
+              <a:t>pontos</a:t>
+            </a:r>
+            <a:r>
+              <a:rPr lang="en-US" sz="2000" dirty="0">
+                <a:solidFill>
+                  <a:srgbClr val="ED265B"/>
+                </a:solidFill>
+                <a:latin typeface="Gotham HTF Light"/>
+                <a:cs typeface="Gotham HTF Light"/>
+              </a:rPr>
+              <a:t> </a:t>
+            </a:r>
+            <a:r>
+              <a:rPr lang="en-US" sz="2000" dirty="0" err="1">
+                <a:solidFill>
+                  <a:srgbClr val="ED265B"/>
+                </a:solidFill>
+                <a:latin typeface="Gotham HTF Light"/>
+                <a:cs typeface="Gotham HTF Light"/>
+              </a:rPr>
+              <a:t>por</a:t>
+            </a:r>
+            <a:r>
+              <a:rPr lang="en-US" sz="2000" dirty="0">
+                <a:solidFill>
+                  <a:srgbClr val="ED265B"/>
+                </a:solidFill>
+                <a:latin typeface="Gotham HTF Light"/>
+                <a:cs typeface="Gotham HTF Light"/>
+              </a:rPr>
+              <a:t> checkpoint:</a:t>
+            </a:r>
+          </a:p>
+          <a:p>
+            <a:pPr marL="1371600" lvl="2" indent="-457200">
               <a:lnSpc>
                 <a:spcPct val="150000"/>
               </a:lnSpc>
@@ -10864,17 +10927,17 @@
               <a:buChar char="Ø"/>
             </a:pPr>
             <a:r>
-              <a:rPr lang="en-US" sz="2000" dirty="0" err="1">
+              <a:rPr lang="en-US" sz="1600" dirty="0" err="1">
                 <a:solidFill>
                   <a:srgbClr val="ED265B"/>
                 </a:solidFill>
                 <a:latin typeface="Gotham HTF Light"/>
                 <a:cs typeface="Gotham HTF Light"/>
               </a:rPr>
-              <a:t>Simulação</a:t>
-            </a:r>
-            <a:r>
-              <a:rPr lang="en-US" sz="2000" dirty="0">
+              <a:t>Documentação</a:t>
+            </a:r>
+            <a:r>
+              <a:rPr lang="en-US" sz="1600" dirty="0">
                 <a:solidFill>
                   <a:srgbClr val="ED265B"/>
                 </a:solidFill>
@@ -10884,7 +10947,7 @@
               <a:t> – 5 </a:t>
             </a:r>
             <a:r>
-              <a:rPr lang="en-US" sz="2000" dirty="0" err="1">
+              <a:rPr lang="en-US" sz="1600" dirty="0" err="1">
                 <a:solidFill>
                   <a:srgbClr val="ED265B"/>
                 </a:solidFill>
@@ -10894,7 +10957,7 @@
               <a:t>pontos</a:t>
             </a:r>
             <a:r>
-              <a:rPr lang="en-US" sz="2000" dirty="0">
+              <a:rPr lang="en-US" sz="1600" dirty="0">
                 <a:solidFill>
                   <a:srgbClr val="ED265B"/>
                 </a:solidFill>
@@ -10905,194 +10968,407 @@
             </a:r>
           </a:p>
           <a:p>
-            <a:pPr marL="1371600" lvl="2" indent="-457200">
+            <a:pPr marL="1828800" lvl="3" indent="-457200">
               <a:lnSpc>
                 <a:spcPct val="150000"/>
               </a:lnSpc>
+              <a:buClr>
+                <a:srgbClr val="ED265B"/>
+              </a:buClr>
               <a:buFont typeface="Wingdings" panose="05000000000000000000" pitchFamily="2" charset="2"/>
               <a:buChar char="ü"/>
             </a:pPr>
             <a:r>
-              <a:rPr lang="en-US" sz="2000" dirty="0">
+              <a:rPr lang="en-US" sz="1400" dirty="0">
                 <a:latin typeface="Gotham HTF Light"/>
                 <a:cs typeface="Gotham HTF Light"/>
               </a:rPr>
-              <a:t>2 </a:t>
-            </a:r>
-            <a:r>
-              <a:rPr lang="en-US" sz="2000" dirty="0" err="1">
+              <a:t>1 </a:t>
+            </a:r>
+            <a:r>
+              <a:rPr lang="en-US" sz="1400" dirty="0" err="1">
                 <a:latin typeface="Gotham HTF Light"/>
                 <a:cs typeface="Gotham HTF Light"/>
               </a:rPr>
-              <a:t>pontos</a:t>
-            </a:r>
-            <a:r>
-              <a:rPr lang="en-US" sz="2000" dirty="0">
+              <a:t>ponto</a:t>
+            </a:r>
+            <a:r>
+              <a:rPr lang="en-US" sz="1400" dirty="0">
                 <a:latin typeface="Gotham HTF Light"/>
                 <a:cs typeface="Gotham HTF Light"/>
               </a:rPr>
-              <a:t> </a:t>
-            </a:r>
-            <a:r>
-              <a:rPr lang="en-US" sz="2000" dirty="0" err="1">
+              <a:t> pela </a:t>
+            </a:r>
+            <a:r>
+              <a:rPr lang="en-US" sz="1400" dirty="0" err="1">
                 <a:latin typeface="Gotham HTF Light"/>
                 <a:cs typeface="Gotham HTF Light"/>
               </a:rPr>
-              <a:t>pelo</a:t>
-            </a:r>
-            <a:r>
-              <a:rPr lang="en-US" sz="2000" dirty="0">
+              <a:t>clareza</a:t>
+            </a:r>
+            <a:r>
+              <a:rPr lang="en-US" sz="1400" dirty="0">
                 <a:latin typeface="Gotham HTF Light"/>
                 <a:cs typeface="Gotham HTF Light"/>
               </a:rPr>
-              <a:t> </a:t>
-            </a:r>
-            <a:r>
-              <a:rPr lang="en-US" sz="2000" dirty="0" err="1">
+              <a:t> e </a:t>
+            </a:r>
+            <a:r>
+              <a:rPr lang="en-US" sz="1400" dirty="0" err="1">
                 <a:latin typeface="Gotham HTF Light"/>
                 <a:cs typeface="Gotham HTF Light"/>
               </a:rPr>
-              <a:t>projeto</a:t>
-            </a:r>
-            <a:r>
-              <a:rPr lang="en-US" sz="2000" dirty="0">
+              <a:t>composição</a:t>
+            </a:r>
+            <a:r>
+              <a:rPr lang="en-US" sz="1400" dirty="0">
                 <a:latin typeface="Gotham HTF Light"/>
                 <a:cs typeface="Gotham HTF Light"/>
               </a:rPr>
-              <a:t> no </a:t>
-            </a:r>
-            <a:r>
-              <a:rPr lang="en-US" sz="2000" dirty="0" err="1">
+              <a:t> do </a:t>
+            </a:r>
+            <a:r>
+              <a:rPr lang="en-US" sz="1400" b="1" dirty="0">
                 <a:latin typeface="Gotham HTF Light"/>
                 <a:cs typeface="Gotham HTF Light"/>
               </a:rPr>
-              <a:t>Tinkercad</a:t>
-            </a:r>
-            <a:r>
-              <a:rPr lang="en-US" sz="2000" dirty="0">
-                <a:latin typeface="Gotham HTF Light"/>
-                <a:cs typeface="Gotham HTF Light"/>
-              </a:rPr>
-              <a:t>;</a:t>
-            </a:r>
-          </a:p>
-          <a:p>
-            <a:pPr marL="1371600" lvl="2" indent="-457200">
+              <a:t>README;</a:t>
+            </a:r>
+          </a:p>
+          <a:p>
+            <a:pPr marL="1828800" lvl="3" indent="-457200">
               <a:lnSpc>
                 <a:spcPct val="150000"/>
               </a:lnSpc>
+              <a:buClr>
+                <a:srgbClr val="ED265B"/>
+              </a:buClr>
               <a:buFont typeface="Wingdings" panose="05000000000000000000" pitchFamily="2" charset="2"/>
               <a:buChar char="ü"/>
             </a:pPr>
             <a:r>
-              <a:rPr lang="en-US" sz="2000" dirty="0">
+              <a:rPr lang="en-US" sz="1400" dirty="0">
                 <a:latin typeface="Gotham HTF Light"/>
                 <a:cs typeface="Gotham HTF Light"/>
               </a:rPr>
-              <a:t>2 </a:t>
-            </a:r>
-            <a:r>
-              <a:rPr lang="en-US" sz="2000" dirty="0" err="1">
+              <a:t>1 </a:t>
+            </a:r>
+            <a:r>
+              <a:rPr lang="en-US" sz="1400" dirty="0" err="1">
                 <a:latin typeface="Gotham HTF Light"/>
                 <a:cs typeface="Gotham HTF Light"/>
               </a:rPr>
-              <a:t>pontos</a:t>
-            </a:r>
-            <a:r>
-              <a:rPr lang="en-US" sz="2000" dirty="0">
+              <a:t>ponto</a:t>
+            </a:r>
+            <a:r>
+              <a:rPr lang="en-US" sz="1400" dirty="0">
                 <a:latin typeface="Gotham HTF Light"/>
                 <a:cs typeface="Gotham HTF Light"/>
               </a:rPr>
               <a:t> pela </a:t>
             </a:r>
             <a:r>
-              <a:rPr lang="en-US" sz="2000" dirty="0" err="1">
+              <a:rPr lang="en-US" sz="1400" b="1" dirty="0" err="1">
                 <a:latin typeface="Gotham HTF Light"/>
                 <a:cs typeface="Gotham HTF Light"/>
               </a:rPr>
-              <a:t>clareza</a:t>
-            </a:r>
-            <a:r>
-              <a:rPr lang="en-US" sz="2000" dirty="0">
+              <a:t>Imagem</a:t>
+            </a:r>
+            <a:r>
+              <a:rPr lang="en-US" sz="1400" dirty="0">
                 <a:latin typeface="Gotham HTF Light"/>
                 <a:cs typeface="Gotham HTF Light"/>
               </a:rPr>
-              <a:t> do video </a:t>
-            </a:r>
-            <a:r>
-              <a:rPr lang="en-US" sz="2000" dirty="0" err="1">
+              <a:t> do </a:t>
+            </a:r>
+            <a:r>
+              <a:rPr lang="en-US" sz="1400" dirty="0" err="1">
                 <a:latin typeface="Gotham HTF Light"/>
                 <a:cs typeface="Gotham HTF Light"/>
               </a:rPr>
-              <a:t>explicativo</a:t>
-            </a:r>
-            <a:r>
-              <a:rPr lang="en-US" sz="2000" dirty="0">
+              <a:t>circuito</a:t>
+            </a:r>
+            <a:r>
+              <a:rPr lang="en-US" sz="1400" dirty="0">
                 <a:latin typeface="Gotham HTF Light"/>
                 <a:cs typeface="Gotham HTF Light"/>
               </a:rPr>
+              <a:t> </a:t>
+            </a:r>
+            <a:r>
+              <a:rPr lang="en-US" sz="1400" dirty="0" err="1">
+                <a:latin typeface="Gotham HTF Light"/>
+                <a:cs typeface="Gotham HTF Light"/>
+              </a:rPr>
+              <a:t>montado</a:t>
+            </a:r>
+            <a:r>
+              <a:rPr lang="en-US" sz="1400" dirty="0">
+                <a:latin typeface="Gotham HTF Light"/>
+                <a:cs typeface="Gotham HTF Light"/>
+              </a:rPr>
+              <a:t> no </a:t>
+            </a:r>
+            <a:r>
+              <a:rPr lang="en-US" sz="1400" dirty="0" err="1">
+                <a:latin typeface="Gotham HTF Light"/>
+                <a:cs typeface="Gotham HTF Light"/>
+              </a:rPr>
+              <a:t>simulador</a:t>
+            </a:r>
+            <a:r>
+              <a:rPr lang="en-US" sz="1400" dirty="0">
+                <a:latin typeface="Gotham HTF Light"/>
+                <a:cs typeface="Gotham HTF Light"/>
+              </a:rPr>
               <a:t>;</a:t>
             </a:r>
           </a:p>
           <a:p>
-            <a:pPr marL="1371600" lvl="2" indent="-457200">
+            <a:pPr marL="1828800" lvl="3" indent="-457200">
               <a:lnSpc>
                 <a:spcPct val="150000"/>
               </a:lnSpc>
+              <a:buClr>
+                <a:srgbClr val="ED265B"/>
+              </a:buClr>
               <a:buFont typeface="Wingdings" panose="05000000000000000000" pitchFamily="2" charset="2"/>
               <a:buChar char="ü"/>
             </a:pPr>
             <a:r>
-              <a:rPr lang="en-US" sz="2000" dirty="0">
+              <a:rPr lang="en-US" sz="1400" dirty="0">
                 <a:latin typeface="Gotham HTF Light"/>
                 <a:cs typeface="Gotham HTF Light"/>
               </a:rPr>
               <a:t>1 </a:t>
             </a:r>
             <a:r>
-              <a:rPr lang="en-US" sz="2000" dirty="0" err="1">
+              <a:rPr lang="en-US" sz="1400" dirty="0" err="1">
                 <a:latin typeface="Gotham HTF Light"/>
                 <a:cs typeface="Gotham HTF Light"/>
               </a:rPr>
               <a:t>ponto</a:t>
             </a:r>
             <a:r>
-              <a:rPr lang="en-US" sz="2000" dirty="0">
+              <a:rPr lang="en-US" sz="1400" dirty="0">
                 <a:latin typeface="Gotham HTF Light"/>
                 <a:cs typeface="Gotham HTF Light"/>
               </a:rPr>
-              <a:t> pela </a:t>
-            </a:r>
-            <a:r>
-              <a:rPr lang="en-US" sz="2000" dirty="0" err="1">
+              <a:t> </a:t>
+            </a:r>
+            <a:r>
+              <a:rPr lang="en-US" sz="1400" dirty="0" err="1">
                 <a:latin typeface="Gotham HTF Light"/>
                 <a:cs typeface="Gotham HTF Light"/>
               </a:rPr>
-              <a:t>clareza</a:t>
-            </a:r>
-            <a:r>
-              <a:rPr lang="en-US" sz="2000" dirty="0">
+              <a:t>pelo</a:t>
+            </a:r>
+            <a:r>
+              <a:rPr lang="en-US" sz="1400" dirty="0">
                 <a:latin typeface="Gotham HTF Light"/>
                 <a:cs typeface="Gotham HTF Light"/>
               </a:rPr>
-              <a:t> do README;</a:t>
-            </a:r>
-          </a:p>
-          <a:p>
-            <a:pPr marL="914400" lvl="1" indent="-457200">
+              <a:t> </a:t>
+            </a:r>
+            <a:r>
+              <a:rPr lang="en-US" sz="1400" dirty="0" err="1">
+                <a:latin typeface="Gotham HTF Light"/>
+                <a:cs typeface="Gotham HTF Light"/>
+              </a:rPr>
+              <a:t>circuito</a:t>
+            </a:r>
+            <a:r>
+              <a:rPr lang="en-US" sz="1400" dirty="0">
+                <a:latin typeface="Gotham HTF Light"/>
+                <a:cs typeface="Gotham HTF Light"/>
+              </a:rPr>
+              <a:t> </a:t>
+            </a:r>
+            <a:r>
+              <a:rPr lang="en-US" sz="1400" dirty="0" err="1">
+                <a:latin typeface="Gotham HTF Light"/>
+                <a:cs typeface="Gotham HTF Light"/>
+              </a:rPr>
+              <a:t>implementado</a:t>
+            </a:r>
+            <a:r>
+              <a:rPr lang="en-US" sz="1400" dirty="0">
+                <a:latin typeface="Gotham HTF Light"/>
+                <a:cs typeface="Gotham HTF Light"/>
+              </a:rPr>
+              <a:t> no </a:t>
+            </a:r>
+            <a:r>
+              <a:rPr lang="en-US" sz="1400" b="1" dirty="0" err="1">
+                <a:latin typeface="Gotham HTF Light"/>
+                <a:cs typeface="Gotham HTF Light"/>
+              </a:rPr>
+              <a:t>Simulador</a:t>
+            </a:r>
+            <a:r>
+              <a:rPr lang="en-US" sz="1400" b="1" dirty="0">
+                <a:latin typeface="Gotham HTF Light"/>
+                <a:cs typeface="Gotham HTF Light"/>
+              </a:rPr>
+              <a:t>;</a:t>
+            </a:r>
+            <a:endParaRPr lang="en-US" sz="1400" dirty="0">
+              <a:latin typeface="Gotham HTF Light"/>
+              <a:cs typeface="Gotham HTF Light"/>
+            </a:endParaRPr>
+          </a:p>
+          <a:p>
+            <a:pPr marL="1828800" lvl="3" indent="-457200">
               <a:lnSpc>
                 <a:spcPct val="150000"/>
               </a:lnSpc>
+              <a:buClr>
+                <a:srgbClr val="ED265B"/>
+              </a:buClr>
               <a:buFont typeface="Wingdings" panose="05000000000000000000" pitchFamily="2" charset="2"/>
               <a:buChar char="ü"/>
             </a:pPr>
-            <a:endParaRPr lang="en-US" sz="2000" dirty="0">
-              <a:latin typeface="Gotham HTF Light"/>
-              <a:cs typeface="Gotham HTF Light"/>
-            </a:endParaRPr>
-          </a:p>
-          <a:p>
-            <a:pPr marL="914400" lvl="1" indent="-457200">
+            <a:r>
+              <a:rPr lang="en-US" sz="1400" dirty="0">
+                <a:latin typeface="Gotham HTF Light"/>
+                <a:cs typeface="Gotham HTF Light"/>
+              </a:rPr>
+              <a:t>1 </a:t>
+            </a:r>
+            <a:r>
+              <a:rPr lang="en-US" sz="1400" dirty="0" err="1">
+                <a:latin typeface="Gotham HTF Light"/>
+                <a:cs typeface="Gotham HTF Light"/>
+              </a:rPr>
+              <a:t>ponto</a:t>
+            </a:r>
+            <a:r>
+              <a:rPr lang="en-US" sz="1400" dirty="0">
+                <a:latin typeface="Gotham HTF Light"/>
+                <a:cs typeface="Gotham HTF Light"/>
+              </a:rPr>
+              <a:t> pela </a:t>
+            </a:r>
+            <a:r>
+              <a:rPr lang="en-US" sz="1400" dirty="0" err="1">
+                <a:latin typeface="Gotham HTF Light"/>
+                <a:cs typeface="Gotham HTF Light"/>
+              </a:rPr>
+              <a:t>clareza</a:t>
+            </a:r>
+            <a:r>
+              <a:rPr lang="en-US" sz="1400" dirty="0">
+                <a:latin typeface="Gotham HTF Light"/>
+                <a:cs typeface="Gotham HTF Light"/>
+              </a:rPr>
+              <a:t> e </a:t>
+            </a:r>
+            <a:r>
+              <a:rPr lang="en-US" sz="1400" dirty="0" err="1">
+                <a:latin typeface="Gotham HTF Light"/>
+                <a:cs typeface="Gotham HTF Light"/>
+              </a:rPr>
+              <a:t>composição</a:t>
+            </a:r>
+            <a:r>
+              <a:rPr lang="en-US" sz="1400" dirty="0">
+                <a:latin typeface="Gotham HTF Light"/>
+                <a:cs typeface="Gotham HTF Light"/>
+              </a:rPr>
+              <a:t> do </a:t>
+            </a:r>
+            <a:r>
+              <a:rPr lang="en-US" sz="1400" b="1" dirty="0">
+                <a:latin typeface="Gotham HTF Light"/>
+                <a:cs typeface="Gotham HTF Light"/>
+              </a:rPr>
+              <a:t>Código Fonte</a:t>
+            </a:r>
+            <a:r>
+              <a:rPr lang="en-US" sz="1400" dirty="0">
+                <a:latin typeface="Gotham HTF Light"/>
+                <a:cs typeface="Gotham HTF Light"/>
+              </a:rPr>
+              <a:t>;</a:t>
+            </a:r>
+          </a:p>
+          <a:p>
+            <a:pPr marL="1828800" lvl="3" indent="-457200">
+              <a:lnSpc>
+                <a:spcPct val="150000"/>
+              </a:lnSpc>
+              <a:buClr>
+                <a:srgbClr val="ED265B"/>
+              </a:buClr>
+              <a:buFont typeface="Wingdings" panose="05000000000000000000" pitchFamily="2" charset="2"/>
+              <a:buChar char="ü"/>
+            </a:pPr>
+            <a:r>
+              <a:rPr lang="en-US" sz="1400" dirty="0">
+                <a:latin typeface="Gotham HTF Light"/>
+                <a:cs typeface="Gotham HTF Light"/>
+              </a:rPr>
+              <a:t>1 </a:t>
+            </a:r>
+            <a:r>
+              <a:rPr lang="en-US" sz="1400" dirty="0" err="1">
+                <a:latin typeface="Gotham HTF Light"/>
+                <a:cs typeface="Gotham HTF Light"/>
+              </a:rPr>
+              <a:t>ponto</a:t>
+            </a:r>
+            <a:r>
+              <a:rPr lang="en-US" sz="1400" dirty="0">
+                <a:latin typeface="Gotham HTF Light"/>
+                <a:cs typeface="Gotham HTF Light"/>
+              </a:rPr>
+              <a:t> pela </a:t>
+            </a:r>
+            <a:r>
+              <a:rPr lang="en-US" sz="1400" dirty="0" err="1">
+                <a:latin typeface="Gotham HTF Light"/>
+                <a:cs typeface="Gotham HTF Light"/>
+              </a:rPr>
+              <a:t>clareza</a:t>
+            </a:r>
+            <a:r>
+              <a:rPr lang="en-US" sz="1400" dirty="0">
+                <a:latin typeface="Gotham HTF Light"/>
+                <a:cs typeface="Gotham HTF Light"/>
+              </a:rPr>
+              <a:t> do </a:t>
+            </a:r>
+            <a:r>
+              <a:rPr lang="en-US" sz="1400" b="1" dirty="0">
+                <a:latin typeface="Gotham HTF Light"/>
+                <a:cs typeface="Gotham HTF Light"/>
+              </a:rPr>
+              <a:t>Video</a:t>
+            </a:r>
+            <a:r>
+              <a:rPr lang="en-US" sz="1400" dirty="0">
+                <a:latin typeface="Gotham HTF Light"/>
+                <a:cs typeface="Gotham HTF Light"/>
+              </a:rPr>
+              <a:t> </a:t>
+            </a:r>
+            <a:r>
+              <a:rPr lang="en-US" sz="1400" dirty="0" err="1">
+                <a:latin typeface="Gotham HTF Light"/>
+                <a:cs typeface="Gotham HTF Light"/>
+              </a:rPr>
+              <a:t>explicativo</a:t>
+            </a:r>
+            <a:r>
+              <a:rPr lang="en-US" sz="1400" dirty="0">
+                <a:latin typeface="Gotham HTF Light"/>
+                <a:cs typeface="Gotham HTF Light"/>
+              </a:rPr>
+              <a:t>;</a:t>
+            </a:r>
+          </a:p>
+          <a:p>
+            <a:pPr marL="1371600" lvl="2" indent="-457200">
               <a:lnSpc>
                 <a:spcPct val="150000"/>
               </a:lnSpc>
@@ -11100,7 +11376,7 @@
               <a:buChar char="Ø"/>
             </a:pPr>
             <a:r>
-              <a:rPr lang="en-US" sz="2000" dirty="0" err="1">
+              <a:rPr lang="en-US" sz="1600" dirty="0" err="1">
                 <a:solidFill>
                   <a:srgbClr val="ED145B"/>
                 </a:solidFill>
@@ -11110,7 +11386,7 @@
               <a:t>Hands-ON</a:t>
             </a:r>
             <a:r>
-              <a:rPr lang="en-US" sz="2000" dirty="0">
+              <a:rPr lang="en-US" sz="1600" dirty="0">
                 <a:solidFill>
                   <a:srgbClr val="ED145B"/>
                 </a:solidFill>
@@ -11120,7 +11396,7 @@
               <a:t> – 5 </a:t>
             </a:r>
             <a:r>
-              <a:rPr lang="en-US" sz="2000" dirty="0" err="1">
+              <a:rPr lang="en-US" sz="1600" dirty="0" err="1">
                 <a:solidFill>
                   <a:srgbClr val="ED145B"/>
                 </a:solidFill>
@@ -11130,7 +11406,7 @@
               <a:t>pontos</a:t>
             </a:r>
             <a:r>
-              <a:rPr lang="en-US" sz="2000" dirty="0">
+              <a:rPr lang="en-US" sz="1600" dirty="0">
                 <a:solidFill>
                   <a:srgbClr val="ED145B"/>
                 </a:solidFill>
@@ -11141,99 +11417,238 @@
             </a:r>
           </a:p>
           <a:p>
-            <a:pPr marL="1371600" lvl="2" indent="-457200">
+            <a:pPr marL="1828800" lvl="3" indent="-457200">
               <a:lnSpc>
                 <a:spcPct val="150000"/>
               </a:lnSpc>
+              <a:buClr>
+                <a:srgbClr val="ED265B"/>
+              </a:buClr>
               <a:buFont typeface="Wingdings" panose="05000000000000000000" pitchFamily="2" charset="2"/>
               <a:buChar char="ü"/>
             </a:pPr>
             <a:r>
-              <a:rPr lang="en-US" sz="2000" dirty="0">
+              <a:rPr lang="en-US" sz="1400" dirty="0">
                 <a:latin typeface="Gotham HTF Light"/>
                 <a:cs typeface="Gotham HTF Light"/>
               </a:rPr>
-              <a:t>5 </a:t>
-            </a:r>
-            <a:r>
-              <a:rPr lang="en-US" sz="2000" dirty="0" err="1">
+              <a:t>1 </a:t>
+            </a:r>
+            <a:r>
+              <a:rPr lang="en-US" sz="1400" dirty="0" err="1">
                 <a:latin typeface="Gotham HTF Light"/>
                 <a:cs typeface="Gotham HTF Light"/>
               </a:rPr>
-              <a:t>pontos</a:t>
-            </a:r>
-            <a:r>
-              <a:rPr lang="en-US" sz="2000" dirty="0">
+              <a:t>ponto</a:t>
+            </a:r>
+            <a:r>
+              <a:rPr lang="en-US" sz="1400" dirty="0">
                 <a:latin typeface="Gotham HTF Light"/>
                 <a:cs typeface="Gotham HTF Light"/>
               </a:rPr>
               <a:t> pela </a:t>
             </a:r>
             <a:r>
-              <a:rPr lang="en-US" sz="2000" dirty="0" err="1">
+              <a:rPr lang="en-US" sz="1400" dirty="0" err="1">
                 <a:latin typeface="Gotham HTF Light"/>
                 <a:cs typeface="Gotham HTF Light"/>
               </a:rPr>
-              <a:t>demonstração</a:t>
-            </a:r>
-            <a:r>
-              <a:rPr lang="en-US" sz="2000" dirty="0">
+              <a:t>organização</a:t>
+            </a:r>
+            <a:r>
+              <a:rPr lang="en-US" sz="1400" dirty="0">
                 <a:latin typeface="Gotham HTF Light"/>
                 <a:cs typeface="Gotham HTF Light"/>
               </a:rPr>
-              <a:t> do </a:t>
-            </a:r>
-            <a:r>
-              <a:rPr lang="en-US" sz="2000" dirty="0" err="1">
+              <a:t> </a:t>
+            </a:r>
+            <a:r>
+              <a:rPr lang="en-US" sz="1400" dirty="0" err="1">
                 <a:latin typeface="Gotham HTF Light"/>
                 <a:cs typeface="Gotham HTF Light"/>
               </a:rPr>
-              <a:t>projeto</a:t>
-            </a:r>
-            <a:r>
-              <a:rPr lang="en-US" sz="2000" dirty="0">
+              <a:t>na</a:t>
+            </a:r>
+            <a:r>
+              <a:rPr lang="en-US" sz="1400" dirty="0">
                 <a:latin typeface="Gotham HTF Light"/>
                 <a:cs typeface="Gotham HTF Light"/>
               </a:rPr>
               <a:t> </a:t>
             </a:r>
             <a:r>
-              <a:rPr lang="en-US" sz="2000" dirty="0" err="1">
+              <a:rPr lang="en-US" sz="1400" dirty="0" err="1">
                 <a:latin typeface="Gotham HTF Light"/>
                 <a:cs typeface="Gotham HTF Light"/>
               </a:rPr>
-              <a:t>funcionando</a:t>
-            </a:r>
-            <a:r>
-              <a:rPr lang="en-US" sz="2000" dirty="0">
+              <a:t>montagem</a:t>
+            </a:r>
+            <a:r>
+              <a:rPr lang="en-US" sz="1400" dirty="0">
                 <a:latin typeface="Gotham HTF Light"/>
                 <a:cs typeface="Gotham HTF Light"/>
               </a:rPr>
-              <a:t> e pela </a:t>
-            </a:r>
-            <a:r>
-              <a:rPr lang="en-US" sz="2000" dirty="0" err="1">
+              <a:t> do </a:t>
+            </a:r>
+            <a:r>
+              <a:rPr lang="en-US" sz="1400" dirty="0" err="1">
                 <a:latin typeface="Gotham HTF Light"/>
                 <a:cs typeface="Gotham HTF Light"/>
               </a:rPr>
-              <a:t>explicação</a:t>
-            </a:r>
-            <a:r>
-              <a:rPr lang="en-US" sz="2000" dirty="0">
+              <a:t>projeto</a:t>
+            </a:r>
+            <a:r>
+              <a:rPr lang="en-US" sz="1400" dirty="0">
                 <a:latin typeface="Gotham HTF Light"/>
                 <a:cs typeface="Gotham HTF Light"/>
               </a:rPr>
-              <a:t> da </a:t>
-            </a:r>
-            <a:r>
-              <a:rPr lang="en-US" sz="2000" dirty="0" err="1">
+              <a:t>;</a:t>
+            </a:r>
+          </a:p>
+          <a:p>
+            <a:pPr marL="1828800" lvl="3" indent="-457200">
+              <a:lnSpc>
+                <a:spcPct val="150000"/>
+              </a:lnSpc>
+              <a:buClr>
+                <a:srgbClr val="ED265B"/>
+              </a:buClr>
+              <a:buFont typeface="Wingdings" panose="05000000000000000000" pitchFamily="2" charset="2"/>
+              <a:buChar char="ü"/>
+            </a:pPr>
+            <a:r>
+              <a:rPr lang="en-US" sz="1400" dirty="0">
                 <a:latin typeface="Gotham HTF Light"/>
                 <a:cs typeface="Gotham HTF Light"/>
               </a:rPr>
-              <a:t>implementação</a:t>
-            </a:r>
-            <a:r>
-              <a:rPr lang="en-US" sz="2000" dirty="0">
+              <a:t>2 </a:t>
+            </a:r>
+            <a:r>
+              <a:rPr lang="en-US" sz="1400" dirty="0" err="1">
+                <a:latin typeface="Gotham HTF Light"/>
+                <a:cs typeface="Gotham HTF Light"/>
+              </a:rPr>
+              <a:t>pontos</a:t>
+            </a:r>
+            <a:r>
+              <a:rPr lang="en-US" sz="1400" dirty="0">
+                <a:latin typeface="Gotham HTF Light"/>
+                <a:cs typeface="Gotham HTF Light"/>
+              </a:rPr>
+              <a:t> pela </a:t>
+            </a:r>
+            <a:r>
+              <a:rPr lang="en-US" sz="1400" dirty="0" err="1">
+                <a:latin typeface="Gotham HTF Light"/>
+                <a:cs typeface="Gotham HTF Light"/>
+              </a:rPr>
+              <a:t>arguição</a:t>
+            </a:r>
+            <a:r>
+              <a:rPr lang="en-US" sz="1400" dirty="0">
+                <a:latin typeface="Gotham HTF Light"/>
+                <a:cs typeface="Gotham HTF Light"/>
+              </a:rPr>
+              <a:t> </a:t>
+            </a:r>
+            <a:r>
+              <a:rPr lang="en-US" sz="1400" dirty="0" err="1">
+                <a:latin typeface="Gotham HTF Light"/>
+                <a:cs typeface="Gotham HTF Light"/>
+              </a:rPr>
+              <a:t>realizada</a:t>
+            </a:r>
+            <a:r>
+              <a:rPr lang="en-US" sz="1400" dirty="0">
+                <a:latin typeface="Gotham HTF Light"/>
+                <a:cs typeface="Gotham HTF Light"/>
+              </a:rPr>
+              <a:t> </a:t>
+            </a:r>
+            <a:r>
+              <a:rPr lang="en-US" sz="1400" dirty="0" err="1">
+                <a:latin typeface="Gotham HTF Light"/>
+                <a:cs typeface="Gotham HTF Light"/>
+              </a:rPr>
+              <a:t>pelo</a:t>
+            </a:r>
+            <a:r>
+              <a:rPr lang="en-US" sz="1400" dirty="0">
+                <a:latin typeface="Gotham HTF Light"/>
+                <a:cs typeface="Gotham HTF Light"/>
+              </a:rPr>
+              <a:t> professor;</a:t>
+            </a:r>
+          </a:p>
+          <a:p>
+            <a:pPr marL="1828800" lvl="3" indent="-457200">
+              <a:lnSpc>
+                <a:spcPct val="150000"/>
+              </a:lnSpc>
+              <a:buClr>
+                <a:srgbClr val="ED265B"/>
+              </a:buClr>
+              <a:buFont typeface="Wingdings" panose="05000000000000000000" pitchFamily="2" charset="2"/>
+              <a:buChar char="ü"/>
+            </a:pPr>
+            <a:r>
+              <a:rPr lang="en-US" sz="1400" dirty="0">
+                <a:latin typeface="Gotham HTF Light"/>
+                <a:cs typeface="Gotham HTF Light"/>
+              </a:rPr>
+              <a:t>3 </a:t>
+            </a:r>
+            <a:r>
+              <a:rPr lang="en-US" sz="1400" dirty="0" err="1">
+                <a:latin typeface="Gotham HTF Light"/>
+                <a:cs typeface="Gotham HTF Light"/>
+              </a:rPr>
+              <a:t>pontos</a:t>
+            </a:r>
+            <a:r>
+              <a:rPr lang="en-US" sz="1400" dirty="0">
+                <a:latin typeface="Gotham HTF Light"/>
+                <a:cs typeface="Gotham HTF Light"/>
+              </a:rPr>
+              <a:t> pela </a:t>
+            </a:r>
+            <a:r>
+              <a:rPr lang="en-US" sz="1400" dirty="0" err="1">
+                <a:latin typeface="Gotham HTF Light"/>
+                <a:cs typeface="Gotham HTF Light"/>
+              </a:rPr>
+              <a:t>demonstração</a:t>
+            </a:r>
+            <a:r>
+              <a:rPr lang="en-US" sz="1400" dirty="0">
+                <a:latin typeface="Gotham HTF Light"/>
+                <a:cs typeface="Gotham HTF Light"/>
+              </a:rPr>
+              <a:t> do </a:t>
+            </a:r>
+            <a:r>
+              <a:rPr lang="en-US" sz="1400" dirty="0" err="1">
+                <a:latin typeface="Gotham HTF Light"/>
+                <a:cs typeface="Gotham HTF Light"/>
+              </a:rPr>
+              <a:t>projeto</a:t>
+            </a:r>
+            <a:r>
+              <a:rPr lang="en-US" sz="1400" dirty="0">
+                <a:latin typeface="Gotham HTF Light"/>
+                <a:cs typeface="Gotham HTF Light"/>
+              </a:rPr>
+              <a:t> </a:t>
+            </a:r>
+            <a:r>
+              <a:rPr lang="en-US" sz="1400" dirty="0" err="1">
+                <a:latin typeface="Gotham HTF Light"/>
+                <a:cs typeface="Gotham HTF Light"/>
+              </a:rPr>
+              <a:t>funcionando</a:t>
+            </a:r>
+            <a:r>
+              <a:rPr lang="en-US" sz="1400" dirty="0">
                 <a:latin typeface="Gotham HTF Light"/>
                 <a:cs typeface="Gotham HTF Light"/>
               </a:rPr>
@@ -11245,7 +11660,7 @@
     </p:spTree>
     <p:extLst>
       <p:ext uri="{BB962C8B-B14F-4D97-AF65-F5344CB8AC3E}">
-        <p14:creationId xmlns:p14="http://schemas.microsoft.com/office/powerpoint/2010/main" val="1110119925"/>
+        <p14:creationId xmlns:p14="http://schemas.microsoft.com/office/powerpoint/2010/main" val="2390155659"/>
       </p:ext>
     </p:extLst>
   </p:cSld>
@@ -11264,6 +11679,768 @@
       </p:transition>
     </mc:Fallback>
   </mc:AlternateContent>
+  <p:timing>
+    <p:tnLst>
+      <p:par>
+        <p:cTn id="1" dur="indefinite" restart="never" nodeType="tmRoot">
+          <p:childTnLst>
+            <p:seq concurrent="1" nextAc="seek">
+              <p:cTn id="2" dur="indefinite" nodeType="mainSeq">
+                <p:childTnLst>
+                  <p:par>
+                    <p:cTn id="3" fill="hold">
+                      <p:stCondLst>
+                        <p:cond delay="indefinite"/>
+                      </p:stCondLst>
+                      <p:childTnLst>
+                        <p:par>
+                          <p:cTn id="4" fill="hold">
+                            <p:stCondLst>
+                              <p:cond delay="0"/>
+                            </p:stCondLst>
+                            <p:childTnLst>
+                              <p:par>
+                                <p:cTn id="5" presetID="10" presetClass="entr" presetSubtype="0" fill="hold" nodeType="clickEffect">
+                                  <p:stCondLst>
+                                    <p:cond delay="0"/>
+                                  </p:stCondLst>
+                                  <p:childTnLst>
+                                    <p:set>
+                                      <p:cBhvr>
+                                        <p:cTn id="6" dur="1" fill="hold">
+                                          <p:stCondLst>
+                                            <p:cond delay="0"/>
+                                          </p:stCondLst>
+                                        </p:cTn>
+                                        <p:tgtEl>
+                                          <p:spTgt spid="2">
+                                            <p:txEl>
+                                              <p:pRg st="0" end="0"/>
+                                            </p:txEl>
+                                          </p:spTgt>
+                                        </p:tgtEl>
+                                        <p:attrNameLst>
+                                          <p:attrName>style.visibility</p:attrName>
+                                        </p:attrNameLst>
+                                      </p:cBhvr>
+                                      <p:to>
+                                        <p:strVal val="visible"/>
+                                      </p:to>
+                                    </p:set>
+                                    <p:animEffect transition="in" filter="fade">
+                                      <p:cBhvr>
+                                        <p:cTn id="7" dur="500"/>
+                                        <p:tgtEl>
+                                          <p:spTgt spid="2">
+                                            <p:txEl>
+                                              <p:pRg st="0" end="0"/>
+                                            </p:txEl>
+                                          </p:spTgt>
+                                        </p:tgtEl>
+                                      </p:cBhvr>
+                                    </p:animEffect>
+                                  </p:childTnLst>
+                                </p:cTn>
+                              </p:par>
+                            </p:childTnLst>
+                          </p:cTn>
+                        </p:par>
+                      </p:childTnLst>
+                    </p:cTn>
+                  </p:par>
+                  <p:par>
+                    <p:cTn id="8" fill="hold">
+                      <p:stCondLst>
+                        <p:cond delay="indefinite"/>
+                      </p:stCondLst>
+                      <p:childTnLst>
+                        <p:par>
+                          <p:cTn id="9" fill="hold">
+                            <p:stCondLst>
+                              <p:cond delay="0"/>
+                            </p:stCondLst>
+                            <p:childTnLst>
+                              <p:par>
+                                <p:cTn id="10" presetID="10" presetClass="entr" presetSubtype="0" fill="hold" nodeType="clickEffect">
+                                  <p:stCondLst>
+                                    <p:cond delay="0"/>
+                                  </p:stCondLst>
+                                  <p:childTnLst>
+                                    <p:set>
+                                      <p:cBhvr>
+                                        <p:cTn id="11" dur="1" fill="hold">
+                                          <p:stCondLst>
+                                            <p:cond delay="0"/>
+                                          </p:stCondLst>
+                                        </p:cTn>
+                                        <p:tgtEl>
+                                          <p:spTgt spid="2">
+                                            <p:txEl>
+                                              <p:pRg st="1" end="1"/>
+                                            </p:txEl>
+                                          </p:spTgt>
+                                        </p:tgtEl>
+                                        <p:attrNameLst>
+                                          <p:attrName>style.visibility</p:attrName>
+                                        </p:attrNameLst>
+                                      </p:cBhvr>
+                                      <p:to>
+                                        <p:strVal val="visible"/>
+                                      </p:to>
+                                    </p:set>
+                                    <p:animEffect transition="in" filter="fade">
+                                      <p:cBhvr>
+                                        <p:cTn id="12" dur="500"/>
+                                        <p:tgtEl>
+                                          <p:spTgt spid="2">
+                                            <p:txEl>
+                                              <p:pRg st="1" end="1"/>
+                                            </p:txEl>
+                                          </p:spTgt>
+                                        </p:tgtEl>
+                                      </p:cBhvr>
+                                    </p:animEffect>
+                                  </p:childTnLst>
+                                </p:cTn>
+                              </p:par>
+                            </p:childTnLst>
+                          </p:cTn>
+                        </p:par>
+                      </p:childTnLst>
+                    </p:cTn>
+                  </p:par>
+                  <p:par>
+                    <p:cTn id="13" fill="hold">
+                      <p:stCondLst>
+                        <p:cond delay="indefinite"/>
+                      </p:stCondLst>
+                      <p:childTnLst>
+                        <p:par>
+                          <p:cTn id="14" fill="hold">
+                            <p:stCondLst>
+                              <p:cond delay="0"/>
+                            </p:stCondLst>
+                            <p:childTnLst>
+                              <p:par>
+                                <p:cTn id="15" presetID="10" presetClass="entr" presetSubtype="0" fill="hold" nodeType="clickEffect">
+                                  <p:stCondLst>
+                                    <p:cond delay="0"/>
+                                  </p:stCondLst>
+                                  <p:childTnLst>
+                                    <p:set>
+                                      <p:cBhvr>
+                                        <p:cTn id="16" dur="1" fill="hold">
+                                          <p:stCondLst>
+                                            <p:cond delay="0"/>
+                                          </p:stCondLst>
+                                        </p:cTn>
+                                        <p:tgtEl>
+                                          <p:spTgt spid="2">
+                                            <p:txEl>
+                                              <p:pRg st="2" end="2"/>
+                                            </p:txEl>
+                                          </p:spTgt>
+                                        </p:tgtEl>
+                                        <p:attrNameLst>
+                                          <p:attrName>style.visibility</p:attrName>
+                                        </p:attrNameLst>
+                                      </p:cBhvr>
+                                      <p:to>
+                                        <p:strVal val="visible"/>
+                                      </p:to>
+                                    </p:set>
+                                    <p:animEffect transition="in" filter="fade">
+                                      <p:cBhvr>
+                                        <p:cTn id="17" dur="500"/>
+                                        <p:tgtEl>
+                                          <p:spTgt spid="2">
+                                            <p:txEl>
+                                              <p:pRg st="2" end="2"/>
+                                            </p:txEl>
+                                          </p:spTgt>
+                                        </p:tgtEl>
+                                      </p:cBhvr>
+                                    </p:animEffect>
+                                  </p:childTnLst>
+                                </p:cTn>
+                              </p:par>
+                            </p:childTnLst>
+                          </p:cTn>
+                        </p:par>
+                      </p:childTnLst>
+                    </p:cTn>
+                  </p:par>
+                  <p:par>
+                    <p:cTn id="18" fill="hold">
+                      <p:stCondLst>
+                        <p:cond delay="indefinite"/>
+                      </p:stCondLst>
+                      <p:childTnLst>
+                        <p:par>
+                          <p:cTn id="19" fill="hold">
+                            <p:stCondLst>
+                              <p:cond delay="0"/>
+                            </p:stCondLst>
+                            <p:childTnLst>
+                              <p:par>
+                                <p:cTn id="20" presetID="10" presetClass="entr" presetSubtype="0" fill="hold" nodeType="clickEffect">
+                                  <p:stCondLst>
+                                    <p:cond delay="0"/>
+                                  </p:stCondLst>
+                                  <p:childTnLst>
+                                    <p:set>
+                                      <p:cBhvr>
+                                        <p:cTn id="21" dur="1" fill="hold">
+                                          <p:stCondLst>
+                                            <p:cond delay="0"/>
+                                          </p:stCondLst>
+                                        </p:cTn>
+                                        <p:tgtEl>
+                                          <p:spTgt spid="2">
+                                            <p:txEl>
+                                              <p:pRg st="3" end="3"/>
+                                            </p:txEl>
+                                          </p:spTgt>
+                                        </p:tgtEl>
+                                        <p:attrNameLst>
+                                          <p:attrName>style.visibility</p:attrName>
+                                        </p:attrNameLst>
+                                      </p:cBhvr>
+                                      <p:to>
+                                        <p:strVal val="visible"/>
+                                      </p:to>
+                                    </p:set>
+                                    <p:animEffect transition="in" filter="fade">
+                                      <p:cBhvr>
+                                        <p:cTn id="22" dur="500"/>
+                                        <p:tgtEl>
+                                          <p:spTgt spid="2">
+                                            <p:txEl>
+                                              <p:pRg st="3" end="3"/>
+                                            </p:txEl>
+                                          </p:spTgt>
+                                        </p:tgtEl>
+                                      </p:cBhvr>
+                                    </p:animEffect>
+                                  </p:childTnLst>
+                                </p:cTn>
+                              </p:par>
+                            </p:childTnLst>
+                          </p:cTn>
+                        </p:par>
+                      </p:childTnLst>
+                    </p:cTn>
+                  </p:par>
+                  <p:par>
+                    <p:cTn id="23" fill="hold">
+                      <p:stCondLst>
+                        <p:cond delay="indefinite"/>
+                      </p:stCondLst>
+                      <p:childTnLst>
+                        <p:par>
+                          <p:cTn id="24" fill="hold">
+                            <p:stCondLst>
+                              <p:cond delay="0"/>
+                            </p:stCondLst>
+                            <p:childTnLst>
+                              <p:par>
+                                <p:cTn id="25" presetID="10" presetClass="entr" presetSubtype="0" fill="hold" nodeType="clickEffect">
+                                  <p:stCondLst>
+                                    <p:cond delay="0"/>
+                                  </p:stCondLst>
+                                  <p:childTnLst>
+                                    <p:set>
+                                      <p:cBhvr>
+                                        <p:cTn id="26" dur="1" fill="hold">
+                                          <p:stCondLst>
+                                            <p:cond delay="0"/>
+                                          </p:stCondLst>
+                                        </p:cTn>
+                                        <p:tgtEl>
+                                          <p:spTgt spid="2">
+                                            <p:txEl>
+                                              <p:pRg st="4" end="4"/>
+                                            </p:txEl>
+                                          </p:spTgt>
+                                        </p:tgtEl>
+                                        <p:attrNameLst>
+                                          <p:attrName>style.visibility</p:attrName>
+                                        </p:attrNameLst>
+                                      </p:cBhvr>
+                                      <p:to>
+                                        <p:strVal val="visible"/>
+                                      </p:to>
+                                    </p:set>
+                                    <p:animEffect transition="in" filter="fade">
+                                      <p:cBhvr>
+                                        <p:cTn id="27" dur="500"/>
+                                        <p:tgtEl>
+                                          <p:spTgt spid="2">
+                                            <p:txEl>
+                                              <p:pRg st="4" end="4"/>
+                                            </p:txEl>
+                                          </p:spTgt>
+                                        </p:tgtEl>
+                                      </p:cBhvr>
+                                    </p:animEffect>
+                                  </p:childTnLst>
+                                </p:cTn>
+                              </p:par>
+                            </p:childTnLst>
+                          </p:cTn>
+                        </p:par>
+                      </p:childTnLst>
+                    </p:cTn>
+                  </p:par>
+                  <p:par>
+                    <p:cTn id="28" fill="hold">
+                      <p:stCondLst>
+                        <p:cond delay="indefinite"/>
+                      </p:stCondLst>
+                      <p:childTnLst>
+                        <p:par>
+                          <p:cTn id="29" fill="hold">
+                            <p:stCondLst>
+                              <p:cond delay="0"/>
+                            </p:stCondLst>
+                            <p:childTnLst>
+                              <p:par>
+                                <p:cTn id="30" presetID="10" presetClass="entr" presetSubtype="0" fill="hold" nodeType="clickEffect">
+                                  <p:stCondLst>
+                                    <p:cond delay="0"/>
+                                  </p:stCondLst>
+                                  <p:childTnLst>
+                                    <p:set>
+                                      <p:cBhvr>
+                                        <p:cTn id="31" dur="1" fill="hold">
+                                          <p:stCondLst>
+                                            <p:cond delay="0"/>
+                                          </p:stCondLst>
+                                        </p:cTn>
+                                        <p:tgtEl>
+                                          <p:spTgt spid="2">
+                                            <p:txEl>
+                                              <p:pRg st="5" end="5"/>
+                                            </p:txEl>
+                                          </p:spTgt>
+                                        </p:tgtEl>
+                                        <p:attrNameLst>
+                                          <p:attrName>style.visibility</p:attrName>
+                                        </p:attrNameLst>
+                                      </p:cBhvr>
+                                      <p:to>
+                                        <p:strVal val="visible"/>
+                                      </p:to>
+                                    </p:set>
+                                    <p:animEffect transition="in" filter="fade">
+                                      <p:cBhvr>
+                                        <p:cTn id="32" dur="500"/>
+                                        <p:tgtEl>
+                                          <p:spTgt spid="2">
+                                            <p:txEl>
+                                              <p:pRg st="5" end="5"/>
+                                            </p:txEl>
+                                          </p:spTgt>
+                                        </p:tgtEl>
+                                      </p:cBhvr>
+                                    </p:animEffect>
+                                  </p:childTnLst>
+                                </p:cTn>
+                              </p:par>
+                            </p:childTnLst>
+                          </p:cTn>
+                        </p:par>
+                      </p:childTnLst>
+                    </p:cTn>
+                  </p:par>
+                  <p:par>
+                    <p:cTn id="33" fill="hold">
+                      <p:stCondLst>
+                        <p:cond delay="indefinite"/>
+                      </p:stCondLst>
+                      <p:childTnLst>
+                        <p:par>
+                          <p:cTn id="34" fill="hold">
+                            <p:stCondLst>
+                              <p:cond delay="0"/>
+                            </p:stCondLst>
+                            <p:childTnLst>
+                              <p:par>
+                                <p:cTn id="35" presetID="10" presetClass="entr" presetSubtype="0" fill="hold" nodeType="clickEffect">
+                                  <p:stCondLst>
+                                    <p:cond delay="0"/>
+                                  </p:stCondLst>
+                                  <p:childTnLst>
+                                    <p:set>
+                                      <p:cBhvr>
+                                        <p:cTn id="36" dur="1" fill="hold">
+                                          <p:stCondLst>
+                                            <p:cond delay="0"/>
+                                          </p:stCondLst>
+                                        </p:cTn>
+                                        <p:tgtEl>
+                                          <p:spTgt spid="2">
+                                            <p:txEl>
+                                              <p:pRg st="6" end="6"/>
+                                            </p:txEl>
+                                          </p:spTgt>
+                                        </p:tgtEl>
+                                        <p:attrNameLst>
+                                          <p:attrName>style.visibility</p:attrName>
+                                        </p:attrNameLst>
+                                      </p:cBhvr>
+                                      <p:to>
+                                        <p:strVal val="visible"/>
+                                      </p:to>
+                                    </p:set>
+                                    <p:animEffect transition="in" filter="fade">
+                                      <p:cBhvr>
+                                        <p:cTn id="37" dur="500"/>
+                                        <p:tgtEl>
+                                          <p:spTgt spid="2">
+                                            <p:txEl>
+                                              <p:pRg st="6" end="6"/>
+                                            </p:txEl>
+                                          </p:spTgt>
+                                        </p:tgtEl>
+                                      </p:cBhvr>
+                                    </p:animEffect>
+                                  </p:childTnLst>
+                                </p:cTn>
+                              </p:par>
+                            </p:childTnLst>
+                          </p:cTn>
+                        </p:par>
+                      </p:childTnLst>
+                    </p:cTn>
+                  </p:par>
+                  <p:par>
+                    <p:cTn id="38" fill="hold">
+                      <p:stCondLst>
+                        <p:cond delay="indefinite"/>
+                      </p:stCondLst>
+                      <p:childTnLst>
+                        <p:par>
+                          <p:cTn id="39" fill="hold">
+                            <p:stCondLst>
+                              <p:cond delay="0"/>
+                            </p:stCondLst>
+                            <p:childTnLst>
+                              <p:par>
+                                <p:cTn id="40" presetID="10" presetClass="entr" presetSubtype="0" fill="hold" nodeType="clickEffect">
+                                  <p:stCondLst>
+                                    <p:cond delay="0"/>
+                                  </p:stCondLst>
+                                  <p:childTnLst>
+                                    <p:set>
+                                      <p:cBhvr>
+                                        <p:cTn id="41" dur="1" fill="hold">
+                                          <p:stCondLst>
+                                            <p:cond delay="0"/>
+                                          </p:stCondLst>
+                                        </p:cTn>
+                                        <p:tgtEl>
+                                          <p:spTgt spid="2">
+                                            <p:txEl>
+                                              <p:pRg st="7" end="7"/>
+                                            </p:txEl>
+                                          </p:spTgt>
+                                        </p:tgtEl>
+                                        <p:attrNameLst>
+                                          <p:attrName>style.visibility</p:attrName>
+                                        </p:attrNameLst>
+                                      </p:cBhvr>
+                                      <p:to>
+                                        <p:strVal val="visible"/>
+                                      </p:to>
+                                    </p:set>
+                                    <p:animEffect transition="in" filter="fade">
+                                      <p:cBhvr>
+                                        <p:cTn id="42" dur="500"/>
+                                        <p:tgtEl>
+                                          <p:spTgt spid="2">
+                                            <p:txEl>
+                                              <p:pRg st="7" end="7"/>
+                                            </p:txEl>
+                                          </p:spTgt>
+                                        </p:tgtEl>
+                                      </p:cBhvr>
+                                    </p:animEffect>
+                                  </p:childTnLst>
+                                </p:cTn>
+                              </p:par>
+                            </p:childTnLst>
+                          </p:cTn>
+                        </p:par>
+                      </p:childTnLst>
+                    </p:cTn>
+                  </p:par>
+                  <p:par>
+                    <p:cTn id="43" fill="hold">
+                      <p:stCondLst>
+                        <p:cond delay="indefinite"/>
+                      </p:stCondLst>
+                      <p:childTnLst>
+                        <p:par>
+                          <p:cTn id="44" fill="hold">
+                            <p:stCondLst>
+                              <p:cond delay="0"/>
+                            </p:stCondLst>
+                            <p:childTnLst>
+                              <p:par>
+                                <p:cTn id="45" presetID="10" presetClass="entr" presetSubtype="0" fill="hold" nodeType="clickEffect">
+                                  <p:stCondLst>
+                                    <p:cond delay="0"/>
+                                  </p:stCondLst>
+                                  <p:childTnLst>
+                                    <p:set>
+                                      <p:cBhvr>
+                                        <p:cTn id="46" dur="1" fill="hold">
+                                          <p:stCondLst>
+                                            <p:cond delay="0"/>
+                                          </p:stCondLst>
+                                        </p:cTn>
+                                        <p:tgtEl>
+                                          <p:spTgt spid="2">
+                                            <p:txEl>
+                                              <p:pRg st="8" end="8"/>
+                                            </p:txEl>
+                                          </p:spTgt>
+                                        </p:tgtEl>
+                                        <p:attrNameLst>
+                                          <p:attrName>style.visibility</p:attrName>
+                                        </p:attrNameLst>
+                                      </p:cBhvr>
+                                      <p:to>
+                                        <p:strVal val="visible"/>
+                                      </p:to>
+                                    </p:set>
+                                    <p:animEffect transition="in" filter="fade">
+                                      <p:cBhvr>
+                                        <p:cTn id="47" dur="500"/>
+                                        <p:tgtEl>
+                                          <p:spTgt spid="2">
+                                            <p:txEl>
+                                              <p:pRg st="8" end="8"/>
+                                            </p:txEl>
+                                          </p:spTgt>
+                                        </p:tgtEl>
+                                      </p:cBhvr>
+                                    </p:animEffect>
+                                  </p:childTnLst>
+                                </p:cTn>
+                              </p:par>
+                            </p:childTnLst>
+                          </p:cTn>
+                        </p:par>
+                      </p:childTnLst>
+                    </p:cTn>
+                  </p:par>
+                  <p:par>
+                    <p:cTn id="48" fill="hold">
+                      <p:stCondLst>
+                        <p:cond delay="indefinite"/>
+                      </p:stCondLst>
+                      <p:childTnLst>
+                        <p:par>
+                          <p:cTn id="49" fill="hold">
+                            <p:stCondLst>
+                              <p:cond delay="0"/>
+                            </p:stCondLst>
+                            <p:childTnLst>
+                              <p:par>
+                                <p:cTn id="50" presetID="10" presetClass="entr" presetSubtype="0" fill="hold" nodeType="clickEffect">
+                                  <p:stCondLst>
+                                    <p:cond delay="0"/>
+                                  </p:stCondLst>
+                                  <p:childTnLst>
+                                    <p:set>
+                                      <p:cBhvr>
+                                        <p:cTn id="51" dur="1" fill="hold">
+                                          <p:stCondLst>
+                                            <p:cond delay="0"/>
+                                          </p:stCondLst>
+                                        </p:cTn>
+                                        <p:tgtEl>
+                                          <p:spTgt spid="2">
+                                            <p:txEl>
+                                              <p:pRg st="9" end="9"/>
+                                            </p:txEl>
+                                          </p:spTgt>
+                                        </p:tgtEl>
+                                        <p:attrNameLst>
+                                          <p:attrName>style.visibility</p:attrName>
+                                        </p:attrNameLst>
+                                      </p:cBhvr>
+                                      <p:to>
+                                        <p:strVal val="visible"/>
+                                      </p:to>
+                                    </p:set>
+                                    <p:animEffect transition="in" filter="fade">
+                                      <p:cBhvr>
+                                        <p:cTn id="52" dur="500"/>
+                                        <p:tgtEl>
+                                          <p:spTgt spid="2">
+                                            <p:txEl>
+                                              <p:pRg st="9" end="9"/>
+                                            </p:txEl>
+                                          </p:spTgt>
+                                        </p:tgtEl>
+                                      </p:cBhvr>
+                                    </p:animEffect>
+                                  </p:childTnLst>
+                                </p:cTn>
+                              </p:par>
+                            </p:childTnLst>
+                          </p:cTn>
+                        </p:par>
+                      </p:childTnLst>
+                    </p:cTn>
+                  </p:par>
+                  <p:par>
+                    <p:cTn id="53" fill="hold">
+                      <p:stCondLst>
+                        <p:cond delay="indefinite"/>
+                      </p:stCondLst>
+                      <p:childTnLst>
+                        <p:par>
+                          <p:cTn id="54" fill="hold">
+                            <p:stCondLst>
+                              <p:cond delay="0"/>
+                            </p:stCondLst>
+                            <p:childTnLst>
+                              <p:par>
+                                <p:cTn id="55" presetID="10" presetClass="entr" presetSubtype="0" fill="hold" nodeType="clickEffect">
+                                  <p:stCondLst>
+                                    <p:cond delay="0"/>
+                                  </p:stCondLst>
+                                  <p:childTnLst>
+                                    <p:set>
+                                      <p:cBhvr>
+                                        <p:cTn id="56" dur="1" fill="hold">
+                                          <p:stCondLst>
+                                            <p:cond delay="0"/>
+                                          </p:stCondLst>
+                                        </p:cTn>
+                                        <p:tgtEl>
+                                          <p:spTgt spid="2">
+                                            <p:txEl>
+                                              <p:pRg st="10" end="10"/>
+                                            </p:txEl>
+                                          </p:spTgt>
+                                        </p:tgtEl>
+                                        <p:attrNameLst>
+                                          <p:attrName>style.visibility</p:attrName>
+                                        </p:attrNameLst>
+                                      </p:cBhvr>
+                                      <p:to>
+                                        <p:strVal val="visible"/>
+                                      </p:to>
+                                    </p:set>
+                                    <p:animEffect transition="in" filter="fade">
+                                      <p:cBhvr>
+                                        <p:cTn id="57" dur="500"/>
+                                        <p:tgtEl>
+                                          <p:spTgt spid="2">
+                                            <p:txEl>
+                                              <p:pRg st="10" end="10"/>
+                                            </p:txEl>
+                                          </p:spTgt>
+                                        </p:tgtEl>
+                                      </p:cBhvr>
+                                    </p:animEffect>
+                                  </p:childTnLst>
+                                </p:cTn>
+                              </p:par>
+                            </p:childTnLst>
+                          </p:cTn>
+                        </p:par>
+                      </p:childTnLst>
+                    </p:cTn>
+                  </p:par>
+                  <p:par>
+                    <p:cTn id="58" fill="hold">
+                      <p:stCondLst>
+                        <p:cond delay="indefinite"/>
+                      </p:stCondLst>
+                      <p:childTnLst>
+                        <p:par>
+                          <p:cTn id="59" fill="hold">
+                            <p:stCondLst>
+                              <p:cond delay="0"/>
+                            </p:stCondLst>
+                            <p:childTnLst>
+                              <p:par>
+                                <p:cTn id="60" presetID="10" presetClass="entr" presetSubtype="0" fill="hold" nodeType="clickEffect">
+                                  <p:stCondLst>
+                                    <p:cond delay="0"/>
+                                  </p:stCondLst>
+                                  <p:childTnLst>
+                                    <p:set>
+                                      <p:cBhvr>
+                                        <p:cTn id="61" dur="1" fill="hold">
+                                          <p:stCondLst>
+                                            <p:cond delay="0"/>
+                                          </p:stCondLst>
+                                        </p:cTn>
+                                        <p:tgtEl>
+                                          <p:spTgt spid="2">
+                                            <p:txEl>
+                                              <p:pRg st="11" end="11"/>
+                                            </p:txEl>
+                                          </p:spTgt>
+                                        </p:tgtEl>
+                                        <p:attrNameLst>
+                                          <p:attrName>style.visibility</p:attrName>
+                                        </p:attrNameLst>
+                                      </p:cBhvr>
+                                      <p:to>
+                                        <p:strVal val="visible"/>
+                                      </p:to>
+                                    </p:set>
+                                    <p:animEffect transition="in" filter="fade">
+                                      <p:cBhvr>
+                                        <p:cTn id="62" dur="500"/>
+                                        <p:tgtEl>
+                                          <p:spTgt spid="2">
+                                            <p:txEl>
+                                              <p:pRg st="11" end="11"/>
+                                            </p:txEl>
+                                          </p:spTgt>
+                                        </p:tgtEl>
+                                      </p:cBhvr>
+                                    </p:animEffect>
+                                  </p:childTnLst>
+                                </p:cTn>
+                              </p:par>
+                            </p:childTnLst>
+                          </p:cTn>
+                        </p:par>
+                      </p:childTnLst>
+                    </p:cTn>
+                  </p:par>
+                </p:childTnLst>
+              </p:cTn>
+              <p:prevCondLst>
+                <p:cond evt="onPrev" delay="0">
+                  <p:tgtEl>
+                    <p:sldTgt/>
+                  </p:tgtEl>
+                </p:cond>
+              </p:prevCondLst>
+              <p:nextCondLst>
+                <p:cond evt="onNext" delay="0">
+                  <p:tgtEl>
+                    <p:sldTgt/>
+                  </p:tgtEl>
+                </p:cond>
+              </p:nextCondLst>
+            </p:seq>
+          </p:childTnLst>
+        </p:cTn>
+      </p:par>
+    </p:tnLst>
+  </p:timing>
 </p:sld>
 </file>
 

--- a/1º Semestre/Checkpoint 02/Edge Computing - CP02.pptx
+++ b/1º Semestre/Checkpoint 02/Edge Computing - CP02.pptx
@@ -6,7 +6,7 @@
     <p:sldMasterId id="2147483699" r:id="rId2"/>
   </p:sldMasterIdLst>
   <p:notesMasterIdLst>
-    <p:notesMasterId r:id="rId14"/>
+    <p:notesMasterId r:id="rId13"/>
   </p:notesMasterIdLst>
   <p:sldIdLst>
     <p:sldId id="398" r:id="rId3"/>
@@ -18,8 +18,7 @@
     <p:sldId id="830" r:id="rId9"/>
     <p:sldId id="827" r:id="rId10"/>
     <p:sldId id="834" r:id="rId11"/>
-    <p:sldId id="828" r:id="rId12"/>
-    <p:sldId id="812" r:id="rId13"/>
+    <p:sldId id="812" r:id="rId12"/>
   </p:sldIdLst>
   <p:sldSz cx="9144000" cy="6858000" type="screen4x3"/>
   <p:notesSz cx="6858000" cy="9144000"/>
@@ -220,7 +219,7 @@
             <a:fld id="{4EA5E1ED-E65E-440E-8A4B-5F5DC973F797}" type="datetimeFigureOut">
               <a:rPr lang="pt-BR" smtClean="0"/>
               <a:pPr/>
-              <a:t>19/08/2023</a:t>
+              <a:t>02/10/2023</a:t>
             </a:fld>
             <a:endParaRPr lang="pt-BR"/>
           </a:p>
@@ -637,7 +636,7 @@
           <a:p>
             <a:fld id="{1787AD07-0C2A-424C-83EF-FCCF4A0D3BA0}" type="datetime1">
               <a:rPr lang="pt-BR" smtClean="0"/>
-              <a:t>19/08/2023</a:t>
+              <a:t>02/10/2023</a:t>
             </a:fld>
             <a:endParaRPr lang="pt-BR"/>
           </a:p>
@@ -806,7 +805,7 @@
           <a:p>
             <a:fld id="{2F92FB66-59C8-46A5-AD82-5DAAFD2DC390}" type="datetime1">
               <a:rPr lang="pt-BR" smtClean="0"/>
-              <a:t>19/08/2023</a:t>
+              <a:t>02/10/2023</a:t>
             </a:fld>
             <a:endParaRPr lang="pt-BR"/>
           </a:p>
@@ -985,7 +984,7 @@
           <a:p>
             <a:fld id="{3D5CC8D2-C61E-4471-AD68-1C0D45A8EAFC}" type="datetime1">
               <a:rPr lang="pt-BR" smtClean="0"/>
-              <a:t>19/08/2023</a:t>
+              <a:t>02/10/2023</a:t>
             </a:fld>
             <a:endParaRPr lang="pt-BR"/>
           </a:p>
@@ -1128,7 +1127,7 @@
           <a:p>
             <a:fld id="{C3E38981-C08A-4A29-B885-392FB4EE0709}" type="datetime1">
               <a:rPr lang="pt-BR" smtClean="0"/>
-              <a:t>19/08/2023</a:t>
+              <a:t>02/10/2023</a:t>
             </a:fld>
             <a:endParaRPr lang="en-US" dirty="0"/>
           </a:p>
@@ -1513,7 +1512,7 @@
           <a:p>
             <a:fld id="{2CFE63D7-5B4A-40A4-8FD4-EA63D1010EB7}" type="datetime1">
               <a:rPr lang="pt-BR" smtClean="0"/>
-              <a:t>19/08/2023</a:t>
+              <a:t>02/10/2023</a:t>
             </a:fld>
             <a:endParaRPr lang="en-US" dirty="0"/>
           </a:p>
@@ -1735,7 +1734,7 @@
           <a:p>
             <a:fld id="{A9719147-5557-4D76-A2C3-BF25882771D2}" type="datetime1">
               <a:rPr lang="pt-BR" smtClean="0"/>
-              <a:t>19/08/2023</a:t>
+              <a:t>02/10/2023</a:t>
             </a:fld>
             <a:endParaRPr lang="en-US" dirty="0"/>
           </a:p>
@@ -2048,7 +2047,7 @@
           <a:p>
             <a:fld id="{66250340-7104-44A8-88A9-88532CCE9C1C}" type="datetime1">
               <a:rPr lang="pt-BR" smtClean="0"/>
-              <a:t>19/08/2023</a:t>
+              <a:t>02/10/2023</a:t>
             </a:fld>
             <a:endParaRPr lang="en-US" dirty="0"/>
           </a:p>
@@ -2233,7 +2232,7 @@
           <a:p>
             <a:fld id="{D047EA32-7810-48BE-A9BB-EA3D8AA5AD34}" type="datetime1">
               <a:rPr lang="pt-BR" smtClean="0"/>
-              <a:t>19/08/2023</a:t>
+              <a:t>02/10/2023</a:t>
             </a:fld>
             <a:endParaRPr lang="en-US" dirty="0"/>
           </a:p>
@@ -2381,7 +2380,7 @@
           <a:p>
             <a:fld id="{7C28E9E9-B91F-400E-BE43-87BB4B5C6F4E}" type="datetime1">
               <a:rPr lang="pt-BR" smtClean="0"/>
-              <a:t>19/08/2023</a:t>
+              <a:t>02/10/2023</a:t>
             </a:fld>
             <a:endParaRPr lang="en-US" dirty="0"/>
           </a:p>
@@ -2633,7 +2632,7 @@
           <a:p>
             <a:fld id="{A9E773EA-BFD5-41D4-8CCD-2C9F67DAB481}" type="datetime1">
               <a:rPr lang="pt-BR" smtClean="0"/>
-              <a:t>19/08/2023</a:t>
+              <a:t>02/10/2023</a:t>
             </a:fld>
             <a:endParaRPr lang="pt-BR" dirty="0"/>
           </a:p>
@@ -2835,7 +2834,7 @@
           <a:p>
             <a:fld id="{DAA7C8B6-CF57-4A95-AF6C-A77E6C230ED3}" type="datetime1">
               <a:rPr lang="pt-BR" smtClean="0"/>
-              <a:t>19/08/2023</a:t>
+              <a:t>02/10/2023</a:t>
             </a:fld>
             <a:endParaRPr lang="pt-BR"/>
           </a:p>
@@ -3119,7 +3118,7 @@
           <a:p>
             <a:fld id="{34D50989-24C8-4023-9B0D-A6D249548FD9}" type="datetime1">
               <a:rPr lang="pt-BR" smtClean="0"/>
-              <a:t>19/08/2023</a:t>
+              <a:t>02/10/2023</a:t>
             </a:fld>
             <a:endParaRPr lang="pt-BR"/>
           </a:p>
@@ -3355,7 +3354,7 @@
           <a:p>
             <a:fld id="{8D9BC96A-9776-4585-A439-BC9E2DA226C1}" type="datetime1">
               <a:rPr lang="pt-BR" smtClean="0"/>
-              <a:t>19/08/2023</a:t>
+              <a:t>02/10/2023</a:t>
             </a:fld>
             <a:endParaRPr lang="pt-BR"/>
           </a:p>
@@ -3738,7 +3737,7 @@
           <a:p>
             <a:fld id="{7D12BE36-2922-4567-BD67-201EFA21BF6D}" type="datetime1">
               <a:rPr lang="pt-BR" smtClean="0"/>
-              <a:t>19/08/2023</a:t>
+              <a:t>02/10/2023</a:t>
             </a:fld>
             <a:endParaRPr lang="pt-BR"/>
           </a:p>
@@ -3850,7 +3849,7 @@
           <a:p>
             <a:fld id="{E5B462A9-4B1E-4013-BFB1-FC92225AC2F2}" type="datetime1">
               <a:rPr lang="pt-BR" smtClean="0"/>
-              <a:t>19/08/2023</a:t>
+              <a:t>02/10/2023</a:t>
             </a:fld>
             <a:endParaRPr lang="pt-BR"/>
           </a:p>
@@ -3934,7 +3933,7 @@
           <a:p>
             <a:fld id="{D0E6EC7A-67E7-4978-9BAE-C8F82A40B13B}" type="datetime1">
               <a:rPr lang="pt-BR" smtClean="0"/>
-              <a:t>19/08/2023</a:t>
+              <a:t>02/10/2023</a:t>
             </a:fld>
             <a:endParaRPr lang="pt-BR"/>
           </a:p>
@@ -4216,7 +4215,7 @@
           <a:p>
             <a:fld id="{6E085A4E-80B8-47DD-9D9B-8E1B205CBB30}" type="datetime1">
               <a:rPr lang="pt-BR" smtClean="0"/>
-              <a:t>19/08/2023</a:t>
+              <a:t>02/10/2023</a:t>
             </a:fld>
             <a:endParaRPr lang="pt-BR"/>
           </a:p>
@@ -4475,7 +4474,7 @@
           <a:p>
             <a:fld id="{F4E9A02C-D9AD-4B8C-9B93-B0980E8E86EB}" type="datetime1">
               <a:rPr lang="pt-BR" smtClean="0"/>
-              <a:t>19/08/2023</a:t>
+              <a:t>02/10/2023</a:t>
             </a:fld>
             <a:endParaRPr lang="pt-BR"/>
           </a:p>
@@ -4687,7 +4686,7 @@
           <a:p>
             <a:fld id="{202762D0-3A59-4B14-83BA-8E0FC8A60AB1}" type="datetime1">
               <a:rPr lang="pt-BR" smtClean="0"/>
-              <a:t>19/08/2023</a:t>
+              <a:t>02/10/2023</a:t>
             </a:fld>
             <a:endParaRPr lang="pt-BR"/>
           </a:p>
@@ -5547,566 +5546,6 @@
       </p:grpSpPr>
       <p:sp>
         <p:nvSpPr>
-          <p:cNvPr id="9" name="TextBox 6">
-            <a:extLst>
-              <a:ext uri="{FF2B5EF4-FFF2-40B4-BE49-F238E27FC236}">
-                <a16:creationId xmlns:a16="http://schemas.microsoft.com/office/drawing/2014/main" id="{225765AD-71F7-DC36-6CE8-E9873BEE1F3F}"/>
-              </a:ext>
-            </a:extLst>
-          </p:cNvPr>
-          <p:cNvSpPr txBox="1"/>
-          <p:nvPr/>
-        </p:nvSpPr>
-        <p:spPr>
-          <a:xfrm>
-            <a:off x="228600" y="133350"/>
-            <a:ext cx="6324600" cy="707886"/>
-          </a:xfrm>
-          <a:prstGeom prst="rect">
-            <a:avLst/>
-          </a:prstGeom>
-          <a:noFill/>
-        </p:spPr>
-        <p:txBody>
-          <a:bodyPr wrap="square" rtlCol="0">
-            <a:spAutoFit/>
-          </a:bodyPr>
-          <a:lstStyle/>
-          <a:p>
-            <a:r>
-              <a:rPr lang="pt-BR" sz="4000" dirty="0">
-                <a:solidFill>
-                  <a:srgbClr val="ED145B"/>
-                </a:solidFill>
-                <a:latin typeface="Gotham HTF" pitchFamily="50" charset="0"/>
-                <a:cs typeface="Gotham HTF Light"/>
-              </a:rPr>
-              <a:t>E como faremos isso?</a:t>
-            </a:r>
-          </a:p>
-        </p:txBody>
-      </p:sp>
-      <p:sp>
-        <p:nvSpPr>
-          <p:cNvPr id="2" name="CaixaDeTexto 1">
-            <a:extLst>
-              <a:ext uri="{FF2B5EF4-FFF2-40B4-BE49-F238E27FC236}">
-                <a16:creationId xmlns:a16="http://schemas.microsoft.com/office/drawing/2014/main" id="{796C8AA8-C3FA-2B50-C01C-439554D2CA64}"/>
-              </a:ext>
-            </a:extLst>
-          </p:cNvPr>
-          <p:cNvSpPr txBox="1"/>
-          <p:nvPr/>
-        </p:nvSpPr>
-        <p:spPr>
-          <a:xfrm>
-            <a:off x="228600" y="908720"/>
-            <a:ext cx="8280920" cy="3737946"/>
-          </a:xfrm>
-          <a:prstGeom prst="rect">
-            <a:avLst/>
-          </a:prstGeom>
-          <a:noFill/>
-        </p:spPr>
-        <p:txBody>
-          <a:bodyPr wrap="square">
-            <a:spAutoFit/>
-          </a:bodyPr>
-          <a:lstStyle/>
-          <a:p>
-            <a:pPr marL="457200" indent="-457200">
-              <a:lnSpc>
-                <a:spcPct val="150000"/>
-              </a:lnSpc>
-              <a:buClr>
-                <a:srgbClr val="ED145B"/>
-              </a:buClr>
-              <a:buFont typeface="Wingdings" panose="05000000000000000000" pitchFamily="2" charset="2"/>
-              <a:buChar char="v"/>
-            </a:pPr>
-            <a:r>
-              <a:rPr lang="en-US" sz="2000" dirty="0" err="1">
-                <a:latin typeface="Gotham HTF Light"/>
-                <a:cs typeface="Gotham HTF Light"/>
-              </a:rPr>
-              <a:t>Mesmo</a:t>
-            </a:r>
-            <a:r>
-              <a:rPr lang="en-US" sz="2000" dirty="0">
-                <a:latin typeface="Gotham HTF Light"/>
-                <a:cs typeface="Gotham HTF Light"/>
-              </a:rPr>
-              <a:t> </a:t>
-            </a:r>
-            <a:r>
-              <a:rPr lang="en-US" sz="2000" dirty="0" err="1">
-                <a:latin typeface="Gotham HTF Light"/>
-                <a:cs typeface="Gotham HTF Light"/>
-              </a:rPr>
-              <a:t>grupo</a:t>
-            </a:r>
-            <a:r>
-              <a:rPr lang="en-US" sz="2000" dirty="0">
-                <a:latin typeface="Gotham HTF Light"/>
-                <a:cs typeface="Gotham HTF Light"/>
-              </a:rPr>
-              <a:t> do Checkpoint 01</a:t>
-            </a:r>
-          </a:p>
-          <a:p>
-            <a:pPr marL="457200" indent="-457200">
-              <a:lnSpc>
-                <a:spcPct val="150000"/>
-              </a:lnSpc>
-              <a:buClr>
-                <a:srgbClr val="ED145B"/>
-              </a:buClr>
-              <a:buFont typeface="Wingdings" panose="05000000000000000000" pitchFamily="2" charset="2"/>
-              <a:buChar char="v"/>
-            </a:pPr>
-            <a:endParaRPr lang="en-US" sz="2000" dirty="0">
-              <a:latin typeface="Gotham HTF Light"/>
-              <a:cs typeface="Gotham HTF Light"/>
-            </a:endParaRPr>
-          </a:p>
-          <a:p>
-            <a:pPr marL="457200" indent="-457200">
-              <a:lnSpc>
-                <a:spcPct val="150000"/>
-              </a:lnSpc>
-              <a:buClr>
-                <a:srgbClr val="ED145B"/>
-              </a:buClr>
-              <a:buFont typeface="Wingdings" panose="05000000000000000000" pitchFamily="2" charset="2"/>
-              <a:buChar char="v"/>
-            </a:pPr>
-            <a:r>
-              <a:rPr lang="en-US" sz="2000" dirty="0" err="1">
-                <a:latin typeface="Gotham HTF Light"/>
-                <a:cs typeface="Gotham HTF Light"/>
-              </a:rPr>
-              <a:t>Entrega</a:t>
-            </a:r>
-            <a:r>
-              <a:rPr lang="en-US" sz="2000" dirty="0">
-                <a:latin typeface="Gotham HTF Light"/>
-                <a:cs typeface="Gotham HTF Light"/>
-              </a:rPr>
-              <a:t> da </a:t>
-            </a:r>
-            <a:r>
-              <a:rPr lang="en-US" sz="2000" dirty="0" err="1">
-                <a:latin typeface="Gotham HTF Light"/>
-                <a:cs typeface="Gotham HTF Light"/>
-              </a:rPr>
-              <a:t>simulação</a:t>
-            </a:r>
-            <a:r>
-              <a:rPr lang="en-US" sz="2000" dirty="0">
-                <a:latin typeface="Gotham HTF Light"/>
-                <a:cs typeface="Gotham HTF Light"/>
-              </a:rPr>
-              <a:t> via </a:t>
-            </a:r>
-            <a:r>
-              <a:rPr lang="en-US" sz="2000" dirty="0" err="1">
-                <a:latin typeface="Gotham HTF Light"/>
-                <a:cs typeface="Gotham HTF Light"/>
-              </a:rPr>
-              <a:t>formulário</a:t>
-            </a:r>
-            <a:r>
-              <a:rPr lang="en-US" sz="2000" dirty="0">
-                <a:latin typeface="Gotham HTF Light"/>
-                <a:cs typeface="Gotham HTF Light"/>
-              </a:rPr>
-              <a:t> no Teams </a:t>
-            </a:r>
-            <a:r>
-              <a:rPr lang="en-US" sz="2000" b="1" dirty="0">
-                <a:solidFill>
-                  <a:srgbClr val="FF0000"/>
-                </a:solidFill>
-                <a:latin typeface="Gotham HTF Light"/>
-                <a:cs typeface="Gotham HTF Light"/>
-              </a:rPr>
-              <a:t>UM DIA ANTES </a:t>
-            </a:r>
-            <a:r>
-              <a:rPr lang="en-US" sz="2000" dirty="0">
-                <a:latin typeface="Gotham HTF Light"/>
-                <a:cs typeface="Gotham HTF Light"/>
-              </a:rPr>
-              <a:t>do Hands-on;</a:t>
-            </a:r>
-          </a:p>
-          <a:p>
-            <a:pPr marL="457200" indent="-457200">
-              <a:lnSpc>
-                <a:spcPct val="150000"/>
-              </a:lnSpc>
-              <a:buClr>
-                <a:srgbClr val="ED145B"/>
-              </a:buClr>
-              <a:buFont typeface="Wingdings" panose="05000000000000000000" pitchFamily="2" charset="2"/>
-              <a:buChar char="v"/>
-            </a:pPr>
-            <a:endParaRPr lang="en-US" sz="2000" dirty="0">
-              <a:latin typeface="Gotham HTF Light"/>
-              <a:cs typeface="Gotham HTF Light"/>
-            </a:endParaRPr>
-          </a:p>
-          <a:p>
-            <a:pPr marL="457200" indent="-457200">
-              <a:lnSpc>
-                <a:spcPct val="150000"/>
-              </a:lnSpc>
-              <a:buClr>
-                <a:srgbClr val="ED145B"/>
-              </a:buClr>
-              <a:buFont typeface="Wingdings" panose="05000000000000000000" pitchFamily="2" charset="2"/>
-              <a:buChar char="v"/>
-            </a:pPr>
-            <a:r>
-              <a:rPr lang="en-US" sz="2000" dirty="0">
-                <a:latin typeface="Gotham HTF Light"/>
-                <a:cs typeface="Gotham HTF Light"/>
-              </a:rPr>
-              <a:t>Data do </a:t>
-            </a:r>
-            <a:r>
-              <a:rPr lang="en-US" sz="2000" dirty="0" err="1">
-                <a:latin typeface="Gotham HTF Light"/>
-                <a:cs typeface="Gotham HTF Light"/>
-              </a:rPr>
-              <a:t>Hands-ON</a:t>
-            </a:r>
-            <a:r>
-              <a:rPr lang="en-US" sz="2000" dirty="0">
-                <a:latin typeface="Gotham HTF Light"/>
-                <a:cs typeface="Gotham HTF Light"/>
-              </a:rPr>
-              <a:t>: </a:t>
-            </a:r>
-          </a:p>
-          <a:p>
-            <a:pPr marL="914400" lvl="1" indent="-457200">
-              <a:lnSpc>
-                <a:spcPct val="150000"/>
-              </a:lnSpc>
-              <a:buFont typeface="Wingdings" panose="05000000000000000000" pitchFamily="2" charset="2"/>
-              <a:buChar char="ü"/>
-            </a:pPr>
-            <a:endParaRPr lang="en-US" sz="2000" dirty="0">
-              <a:latin typeface="Gotham HTF Light"/>
-              <a:cs typeface="Gotham HTF Light"/>
-            </a:endParaRPr>
-          </a:p>
-          <a:p>
-            <a:pPr marL="914400" lvl="1" indent="-457200">
-              <a:lnSpc>
-                <a:spcPct val="150000"/>
-              </a:lnSpc>
-              <a:buFont typeface="Wingdings" panose="05000000000000000000" pitchFamily="2" charset="2"/>
-              <a:buChar char="ü"/>
-            </a:pPr>
-            <a:endParaRPr lang="en-US" sz="2000" dirty="0">
-              <a:latin typeface="Gotham HTF Light"/>
-              <a:cs typeface="Gotham HTF Light"/>
-            </a:endParaRPr>
-          </a:p>
-        </p:txBody>
-      </p:sp>
-      <p:graphicFrame>
-        <p:nvGraphicFramePr>
-          <p:cNvPr id="3" name="Tabela 3">
-            <a:extLst>
-              <a:ext uri="{FF2B5EF4-FFF2-40B4-BE49-F238E27FC236}">
-                <a16:creationId xmlns:a16="http://schemas.microsoft.com/office/drawing/2014/main" id="{3F14E89E-A3C8-2AC8-27BB-E59C4B6CB1FE}"/>
-              </a:ext>
-            </a:extLst>
-          </p:cNvPr>
-          <p:cNvGraphicFramePr>
-            <a:graphicFrameLocks noGrp="1"/>
-          </p:cNvGraphicFramePr>
-          <p:nvPr>
-            <p:extLst>
-              <p:ext uri="{D42A27DB-BD31-4B8C-83A1-F6EECF244321}">
-                <p14:modId xmlns:p14="http://schemas.microsoft.com/office/powerpoint/2010/main" val="1058193646"/>
-              </p:ext>
-            </p:extLst>
-          </p:nvPr>
-        </p:nvGraphicFramePr>
-        <p:xfrm>
-          <a:off x="1524000" y="4033872"/>
-          <a:ext cx="6096000" cy="1483360"/>
-        </p:xfrm>
-        <a:graphic>
-          <a:graphicData uri="http://schemas.openxmlformats.org/drawingml/2006/table">
-            <a:tbl>
-              <a:tblPr firstRow="1" bandRow="1">
-                <a:tableStyleId>{5C22544A-7EE6-4342-B048-85BDC9FD1C3A}</a:tableStyleId>
-              </a:tblPr>
-              <a:tblGrid>
-                <a:gridCol w="3048000">
-                  <a:extLst>
-                    <a:ext uri="{9D8B030D-6E8A-4147-A177-3AD203B41FA5}">
-                      <a16:colId xmlns:a16="http://schemas.microsoft.com/office/drawing/2014/main" val="1932654316"/>
-                    </a:ext>
-                  </a:extLst>
-                </a:gridCol>
-                <a:gridCol w="3048000">
-                  <a:extLst>
-                    <a:ext uri="{9D8B030D-6E8A-4147-A177-3AD203B41FA5}">
-                      <a16:colId xmlns:a16="http://schemas.microsoft.com/office/drawing/2014/main" val="1470734791"/>
-                    </a:ext>
-                  </a:extLst>
-                </a:gridCol>
-              </a:tblGrid>
-              <a:tr h="370840">
-                <a:tc>
-                  <a:txBody>
-                    <a:bodyPr/>
-                    <a:lstStyle/>
-                    <a:p>
-                      <a:r>
-                        <a:rPr lang="pt-BR" dirty="0">
-                          <a:solidFill>
-                            <a:schemeClr val="bg1"/>
-                          </a:solidFill>
-                        </a:rPr>
-                        <a:t>Turma</a:t>
-                      </a:r>
-                    </a:p>
-                  </a:txBody>
-                  <a:tcPr>
-                    <a:solidFill>
-                      <a:srgbClr val="ED265B"/>
-                    </a:solidFill>
-                  </a:tcPr>
-                </a:tc>
-                <a:tc>
-                  <a:txBody>
-                    <a:bodyPr/>
-                    <a:lstStyle/>
-                    <a:p>
-                      <a:r>
-                        <a:rPr lang="pt-BR" dirty="0">
-                          <a:solidFill>
-                            <a:schemeClr val="bg1"/>
-                          </a:solidFill>
-                        </a:rPr>
-                        <a:t>Data</a:t>
-                      </a:r>
-                    </a:p>
-                  </a:txBody>
-                  <a:tcPr>
-                    <a:solidFill>
-                      <a:srgbClr val="ED265B"/>
-                    </a:solidFill>
-                  </a:tcPr>
-                </a:tc>
-                <a:extLst>
-                  <a:ext uri="{0D108BD9-81ED-4DB2-BD59-A6C34878D82A}">
-                    <a16:rowId xmlns:a16="http://schemas.microsoft.com/office/drawing/2014/main" val="2593483750"/>
-                  </a:ext>
-                </a:extLst>
-              </a:tr>
-              <a:tr h="370840">
-                <a:tc>
-                  <a:txBody>
-                    <a:bodyPr/>
-                    <a:lstStyle/>
-                    <a:p>
-                      <a:r>
-                        <a:rPr lang="pt-BR" dirty="0">
-                          <a:solidFill>
-                            <a:schemeClr val="bg1"/>
-                          </a:solidFill>
-                        </a:rPr>
-                        <a:t>1ESPX</a:t>
-                      </a:r>
-                    </a:p>
-                  </a:txBody>
-                  <a:tcPr>
-                    <a:solidFill>
-                      <a:srgbClr val="ED265B"/>
-                    </a:solidFill>
-                  </a:tcPr>
-                </a:tc>
-                <a:tc>
-                  <a:txBody>
-                    <a:bodyPr/>
-                    <a:lstStyle/>
-                    <a:p>
-                      <a:r>
-                        <a:rPr lang="pt-BR" dirty="0">
-                          <a:solidFill>
-                            <a:schemeClr val="bg1"/>
-                          </a:solidFill>
-                        </a:rPr>
-                        <a:t>24/04/2023</a:t>
-                      </a:r>
-                    </a:p>
-                  </a:txBody>
-                  <a:tcPr>
-                    <a:solidFill>
-                      <a:srgbClr val="ED265B"/>
-                    </a:solidFill>
-                  </a:tcPr>
-                </a:tc>
-                <a:extLst>
-                  <a:ext uri="{0D108BD9-81ED-4DB2-BD59-A6C34878D82A}">
-                    <a16:rowId xmlns:a16="http://schemas.microsoft.com/office/drawing/2014/main" val="3046755812"/>
-                  </a:ext>
-                </a:extLst>
-              </a:tr>
-              <a:tr h="370840">
-                <a:tc>
-                  <a:txBody>
-                    <a:bodyPr/>
-                    <a:lstStyle/>
-                    <a:p>
-                      <a:r>
-                        <a:rPr lang="pt-BR" dirty="0">
-                          <a:solidFill>
-                            <a:schemeClr val="bg1"/>
-                          </a:solidFill>
-                        </a:rPr>
-                        <a:t>1ESPW</a:t>
-                      </a:r>
-                    </a:p>
-                  </a:txBody>
-                  <a:tcPr>
-                    <a:solidFill>
-                      <a:srgbClr val="ED265B"/>
-                    </a:solidFill>
-                  </a:tcPr>
-                </a:tc>
-                <a:tc>
-                  <a:txBody>
-                    <a:bodyPr/>
-                    <a:lstStyle/>
-                    <a:p>
-                      <a:r>
-                        <a:rPr lang="pt-BR" dirty="0">
-                          <a:solidFill>
-                            <a:schemeClr val="bg1"/>
-                          </a:solidFill>
-                        </a:rPr>
-                        <a:t>25/04/2023</a:t>
-                      </a:r>
-                    </a:p>
-                  </a:txBody>
-                  <a:tcPr>
-                    <a:solidFill>
-                      <a:srgbClr val="ED265B"/>
-                    </a:solidFill>
-                  </a:tcPr>
-                </a:tc>
-                <a:extLst>
-                  <a:ext uri="{0D108BD9-81ED-4DB2-BD59-A6C34878D82A}">
-                    <a16:rowId xmlns:a16="http://schemas.microsoft.com/office/drawing/2014/main" val="1579613649"/>
-                  </a:ext>
-                </a:extLst>
-              </a:tr>
-              <a:tr h="370840">
-                <a:tc>
-                  <a:txBody>
-                    <a:bodyPr/>
-                    <a:lstStyle/>
-                    <a:p>
-                      <a:r>
-                        <a:rPr lang="pt-BR" dirty="0">
-                          <a:solidFill>
-                            <a:schemeClr val="bg1"/>
-                          </a:solidFill>
-                        </a:rPr>
-                        <a:t>1ESPV</a:t>
-                      </a:r>
-                    </a:p>
-                  </a:txBody>
-                  <a:tcPr>
-                    <a:solidFill>
-                      <a:srgbClr val="ED265B"/>
-                    </a:solidFill>
-                  </a:tcPr>
-                </a:tc>
-                <a:tc>
-                  <a:txBody>
-                    <a:bodyPr/>
-                    <a:lstStyle/>
-                    <a:p>
-                      <a:r>
-                        <a:rPr lang="pt-BR" dirty="0">
-                          <a:solidFill>
-                            <a:schemeClr val="bg1"/>
-                          </a:solidFill>
-                        </a:rPr>
-                        <a:t>26/04/2023</a:t>
-                      </a:r>
-                    </a:p>
-                  </a:txBody>
-                  <a:tcPr>
-                    <a:solidFill>
-                      <a:srgbClr val="ED265B"/>
-                    </a:solidFill>
-                  </a:tcPr>
-                </a:tc>
-                <a:extLst>
-                  <a:ext uri="{0D108BD9-81ED-4DB2-BD59-A6C34878D82A}">
-                    <a16:rowId xmlns:a16="http://schemas.microsoft.com/office/drawing/2014/main" val="2356331541"/>
-                  </a:ext>
-                </a:extLst>
-              </a:tr>
-            </a:tbl>
-          </a:graphicData>
-        </a:graphic>
-      </p:graphicFrame>
-    </p:spTree>
-    <p:extLst>
-      <p:ext uri="{BB962C8B-B14F-4D97-AF65-F5344CB8AC3E}">
-        <p14:creationId xmlns:p14="http://schemas.microsoft.com/office/powerpoint/2010/main" val="640959817"/>
-      </p:ext>
-    </p:extLst>
-  </p:cSld>
-  <p:clrMapOvr>
-    <a:masterClrMapping/>
-  </p:clrMapOvr>
-  <mc:AlternateContent xmlns:mc="http://schemas.openxmlformats.org/markup-compatibility/2006" xmlns:p14="http://schemas.microsoft.com/office/powerpoint/2010/main">
-    <mc:Choice Requires="p14">
-      <p:transition spd="med" p14:dur="700">
-        <p:fade/>
-      </p:transition>
-    </mc:Choice>
-    <mc:Fallback xmlns="">
-      <p:transition spd="med">
-        <p:fade/>
-      </p:transition>
-    </mc:Fallback>
-  </mc:AlternateContent>
-</p:sld>
-</file>
-
-<file path=ppt/slides/slide11.xml><?xml version="1.0" encoding="utf-8"?>
-<p:sld xmlns:a="http://schemas.openxmlformats.org/drawingml/2006/main" xmlns:r="http://schemas.openxmlformats.org/officeDocument/2006/relationships" xmlns:p="http://schemas.openxmlformats.org/presentationml/2006/main">
-  <p:cSld>
-    <p:spTree>
-      <p:nvGrpSpPr>
-        <p:cNvPr id="1" name=""/>
-        <p:cNvGrpSpPr/>
-        <p:nvPr/>
-      </p:nvGrpSpPr>
-      <p:grpSpPr>
-        <a:xfrm>
-          <a:off x="0" y="0"/>
-          <a:ext cx="0" cy="0"/>
-          <a:chOff x="0" y="0"/>
-          <a:chExt cx="0" cy="0"/>
-        </a:xfrm>
-      </p:grpSpPr>
-      <p:sp>
-        <p:nvSpPr>
           <p:cNvPr id="8" name="Título 7">
             <a:extLst>
               <a:ext uri="{FF2B5EF4-FFF2-40B4-BE49-F238E27FC236}">
@@ -6279,7 +5718,7 @@
             <a:fld id="{3F951EF7-2A75-44A0-8045-6A6595E5FF16}" type="slidenum">
               <a:rPr lang="pt-BR" smtClean="0"/>
               <a:pPr/>
-              <a:t>11</a:t>
+              <a:t>10</a:t>
             </a:fld>
             <a:endParaRPr lang="pt-BR" dirty="0"/>
           </a:p>
@@ -9384,15 +8823,13 @@
             </a:lvl9pPr>
           </a:lstStyle>
           <a:p>
-            <a:pPr marL="342900" indent="-342900">
+            <a:pPr>
               <a:lnSpc>
                 <a:spcPct val="150000"/>
               </a:lnSpc>
               <a:spcBef>
                 <a:spcPts val="0"/>
               </a:spcBef>
-              <a:buFont typeface="+mj-lt"/>
-              <a:buAutoNum type="arabicPeriod"/>
             </a:pPr>
             <a:r>
               <a:rPr lang="pt-BR" sz="1100" dirty="0">
@@ -9402,15 +8839,13 @@
             </a:r>
           </a:p>
           <a:p>
-            <a:pPr marL="342900" indent="-342900">
+            <a:pPr>
               <a:lnSpc>
                 <a:spcPct val="150000"/>
               </a:lnSpc>
               <a:spcBef>
                 <a:spcPts val="0"/>
               </a:spcBef>
-              <a:buFont typeface="+mj-lt"/>
-              <a:buAutoNum type="arabicPeriod"/>
             </a:pPr>
             <a:r>
               <a:rPr lang="pt-BR" sz="1100" dirty="0">
@@ -9420,15 +8855,13 @@
             </a:r>
           </a:p>
           <a:p>
-            <a:pPr marL="342900" indent="-342900">
+            <a:pPr>
               <a:lnSpc>
                 <a:spcPct val="150000"/>
               </a:lnSpc>
               <a:spcBef>
                 <a:spcPts val="0"/>
               </a:spcBef>
-              <a:buFont typeface="+mj-lt"/>
-              <a:buAutoNum type="arabicPeriod"/>
             </a:pPr>
             <a:r>
               <a:rPr lang="pt-BR" sz="1100" dirty="0">
@@ -9438,171 +8871,143 @@
             </a:r>
           </a:p>
           <a:p>
-            <a:pPr marL="342900" indent="-342900">
+            <a:pPr>
               <a:lnSpc>
                 <a:spcPct val="150000"/>
               </a:lnSpc>
               <a:spcBef>
                 <a:spcPts val="0"/>
               </a:spcBef>
-              <a:buFont typeface="+mj-lt"/>
-              <a:buAutoNum type="arabicPeriod"/>
             </a:pPr>
             <a:r>
               <a:rPr lang="pt-BR" sz="1100" dirty="0">
                 <a:latin typeface="Gotham HTF"/>
               </a:rPr>
-              <a:t>Enquanto o ambiente estiver totalmente iluminado, o </a:t>
-            </a:r>
-            <a:r>
-              <a:rPr lang="pt-BR" sz="1100" dirty="0" err="1">
-                <a:latin typeface="Gotham HTF"/>
-              </a:rPr>
-              <a:t>Buzzer</a:t>
-            </a:r>
-            <a:r>
-              <a:rPr lang="pt-BR" sz="1100" dirty="0">
-                <a:latin typeface="Gotham HTF"/>
-              </a:rPr>
-              <a:t> deve ficar ligado continuamente;</a:t>
-            </a:r>
-          </a:p>
-          <a:p>
-            <a:pPr marL="342900" indent="-342900">
+              <a:t>Enquanto o ambiente estiver com uma temperatura entre 10°C e 15°C, o Display deve informar “Temperatura OK” e também mostrar o valor da temperatura;</a:t>
+            </a:r>
+          </a:p>
+          <a:p>
+            <a:pPr>
               <a:lnSpc>
                 <a:spcPct val="150000"/>
               </a:lnSpc>
               <a:spcBef>
                 <a:spcPts val="0"/>
               </a:spcBef>
-              <a:buFont typeface="+mj-lt"/>
-              <a:buAutoNum type="arabicPeriod"/>
             </a:pPr>
             <a:r>
               <a:rPr lang="pt-BR" sz="1100" dirty="0">
                 <a:latin typeface="Gotham HTF"/>
               </a:rPr>
-              <a:t>Enquanto o ambiente estiver com uma temperatura entre 10°C e 15°C, o Display deve informar “Temperatura OK” e também mostrar o valor da temperatura;</a:t>
-            </a:r>
-          </a:p>
-          <a:p>
-            <a:pPr marL="342900" indent="-342900">
+              <a:t>Enquanto o ambiente estiver com uma umidade entre 60% e 80%, o Display deve informar “Umidade OK”, e também mostrar o valor da umidade;</a:t>
+            </a:r>
+          </a:p>
+          <a:p>
+            <a:pPr>
               <a:lnSpc>
                 <a:spcPct val="150000"/>
               </a:lnSpc>
               <a:spcBef>
                 <a:spcPts val="0"/>
               </a:spcBef>
-              <a:buFont typeface="+mj-lt"/>
-              <a:buAutoNum type="arabicPeriod"/>
             </a:pPr>
             <a:r>
               <a:rPr lang="pt-BR" sz="1100" dirty="0">
                 <a:latin typeface="Gotham HTF"/>
               </a:rPr>
-              <a:t>Enquanto o ambiente estiver com uma umidade entre 60% e 80%, o Display deve informar “Umidade OK”, e também mostrar o valor da umidade;</a:t>
-            </a:r>
-          </a:p>
-          <a:p>
-            <a:pPr marL="342900" indent="-342900">
+              <a:t>Enquanto a temperatura estiver fora da faixa ideal, o Display deve informar “Temp. Alta”, para valores acima de 15°C e também mostrar a temperatura;</a:t>
+            </a:r>
+          </a:p>
+          <a:p>
+            <a:pPr>
               <a:lnSpc>
                 <a:spcPct val="150000"/>
               </a:lnSpc>
               <a:spcBef>
                 <a:spcPts val="0"/>
               </a:spcBef>
-              <a:buFont typeface="+mj-lt"/>
-              <a:buAutoNum type="arabicPeriod"/>
             </a:pPr>
             <a:r>
               <a:rPr lang="pt-BR" sz="1100" dirty="0">
                 <a:latin typeface="Gotham HTF"/>
               </a:rPr>
-              <a:t>Os valores apresentados no display devem ser a média de pelo menos 5 leituras dos sensores, e os valores devem ser apresentados a cada 5 segundos;</a:t>
-            </a:r>
-          </a:p>
-          <a:p>
-            <a:pPr marL="342900" indent="-342900">
+              <a:t>Enquanto a temperatura estiver fora da faixa ideal, o Display deve informar “Temp. Baixa”, para valores abaixo de 10°C e também mostrar a temperatura;</a:t>
+            </a:r>
+          </a:p>
+          <a:p>
+            <a:pPr>
               <a:lnSpc>
                 <a:spcPct val="150000"/>
               </a:lnSpc>
               <a:spcBef>
                 <a:spcPts val="0"/>
               </a:spcBef>
-              <a:buFont typeface="+mj-lt"/>
-              <a:buAutoNum type="arabicPeriod"/>
             </a:pPr>
             <a:r>
               <a:rPr lang="pt-BR" sz="1100" dirty="0">
                 <a:latin typeface="Gotham HTF"/>
               </a:rPr>
-              <a:t>Enquanto a temperatura estiver fora da faixa ideal, o LED Amarelo deve ficar aceso e o </a:t>
-            </a:r>
-            <a:r>
-              <a:rPr lang="pt-BR" sz="1100" dirty="0" err="1">
-                <a:latin typeface="Gotham HTF"/>
-              </a:rPr>
-              <a:t>Buzzer</a:t>
-            </a:r>
-            <a:r>
-              <a:rPr lang="pt-BR" sz="1100" dirty="0">
-                <a:latin typeface="Gotham HTF"/>
-              </a:rPr>
-              <a:t> deve ligar continuamente;</a:t>
-            </a:r>
-          </a:p>
-          <a:p>
-            <a:pPr marL="342900" indent="-342900">
+              <a:t>Enquanto a umidade estiver fora da faixa ideal, o Display deve informar “Umidade. Alta”, para valores acima de 70% e também mostrar a umidade;</a:t>
+            </a:r>
+          </a:p>
+          <a:p>
+            <a:pPr>
               <a:lnSpc>
                 <a:spcPct val="150000"/>
               </a:lnSpc>
               <a:spcBef>
                 <a:spcPts val="0"/>
               </a:spcBef>
-              <a:buFont typeface="+mj-lt"/>
-              <a:buAutoNum type="arabicPeriod"/>
             </a:pPr>
             <a:r>
               <a:rPr lang="pt-BR" sz="1100" dirty="0">
                 <a:latin typeface="Gotham HTF"/>
               </a:rPr>
-              <a:t>Enquanto a temperatura estiver fora da faixa ideal, o Display deve informar “Temp. Alta”, para valores acima de 15°C e também mostrar a temperatura;</a:t>
-            </a:r>
-          </a:p>
-          <a:p>
-            <a:pPr marL="342900" indent="-342900">
+              <a:t>Enquanto a umidade estiver fora da faixa ideal, o Display deve informar “Umidade. Baixa”, para valores abaixo de 50% e também mostrar a umidade;</a:t>
+            </a:r>
+          </a:p>
+          <a:p>
+            <a:pPr>
               <a:lnSpc>
                 <a:spcPct val="150000"/>
               </a:lnSpc>
               <a:spcBef>
                 <a:spcPts val="0"/>
               </a:spcBef>
-              <a:buFont typeface="+mj-lt"/>
-              <a:buAutoNum type="arabicPeriod"/>
             </a:pPr>
             <a:r>
               <a:rPr lang="pt-BR" sz="1100" dirty="0">
                 <a:latin typeface="Gotham HTF"/>
               </a:rPr>
-              <a:t>Enquanto a temperatura estiver fora da faixa ideal, o Display deve informar “Temp. Baixa”, para valores abaixo de 10°C e também mostrar a temperatura;</a:t>
-            </a:r>
-          </a:p>
-          <a:p>
-            <a:pPr marL="342900" indent="-342900">
+              <a:t>Para os casos de Temperatura Baixa e Umidade Baixa, o </a:t>
+            </a:r>
+            <a:r>
+              <a:rPr lang="pt-BR" sz="1100" dirty="0" err="1">
+                <a:latin typeface="Gotham HTF"/>
+              </a:rPr>
+              <a:t>Buzzer</a:t>
+            </a:r>
+            <a:r>
+              <a:rPr lang="pt-BR" sz="1100" dirty="0">
+                <a:latin typeface="Gotham HTF"/>
+              </a:rPr>
+              <a:t> deve ficar ligado por 3 segundos e desligado por 3 segundos;</a:t>
+            </a:r>
+          </a:p>
+          <a:p>
+            <a:pPr>
               <a:lnSpc>
                 <a:spcPct val="150000"/>
               </a:lnSpc>
               <a:spcBef>
                 <a:spcPts val="0"/>
               </a:spcBef>
-              <a:buFont typeface="+mj-lt"/>
-              <a:buAutoNum type="arabicPeriod"/>
             </a:pPr>
             <a:r>
               <a:rPr lang="pt-BR" sz="1100" dirty="0">
                 <a:latin typeface="Gotham HTF"/>
               </a:rPr>
-              <a:t>Enquanto a umidade estiver fora da faixa ideal, o LED Vermelho deve ficar aceso e o </a:t>
+              <a:t>Para os casos de Temperatura Alta e Umidade Alta, o </a:t>
             </a:r>
             <a:r>
               <a:rPr lang="pt-BR" sz="1100" dirty="0" err="1">
@@ -9614,85 +9019,59 @@
               <a:rPr lang="pt-BR" sz="1100" dirty="0">
                 <a:latin typeface="Gotham HTF"/>
               </a:rPr>
-              <a:t> deve ligar continuamente;</a:t>
-            </a:r>
-          </a:p>
-          <a:p>
-            <a:pPr marL="342900" indent="-342900">
+              <a:t> deve ficar ligado Continuamente;</a:t>
+            </a:r>
+          </a:p>
+          <a:p>
+            <a:pPr>
               <a:lnSpc>
                 <a:spcPct val="150000"/>
               </a:lnSpc>
               <a:spcBef>
                 <a:spcPts val="0"/>
               </a:spcBef>
-              <a:buFont typeface="+mj-lt"/>
-              <a:buAutoNum type="arabicPeriod"/>
             </a:pPr>
             <a:r>
               <a:rPr lang="pt-BR" sz="1100" dirty="0">
                 <a:latin typeface="Gotham HTF"/>
               </a:rPr>
-              <a:t>Enquanto a umidade estiver fora da faixa ideal, o Display deve informar “Umidade. Alta”, para valores acima de 70% e também mostrar a umidade;</a:t>
-            </a:r>
-          </a:p>
-          <a:p>
-            <a:pPr marL="342900" indent="-342900">
+              <a:t>Os valores apresentados no display devem ser a média de pelo menos 5 leituras dos sensores, e os valores devem ser apresentados a cada 5 segundos;</a:t>
+            </a:r>
+          </a:p>
+          <a:p>
+            <a:pPr>
               <a:lnSpc>
                 <a:spcPct val="150000"/>
               </a:lnSpc>
               <a:spcBef>
                 <a:spcPts val="0"/>
               </a:spcBef>
-              <a:buFont typeface="+mj-lt"/>
-              <a:buAutoNum type="arabicPeriod"/>
             </a:pPr>
-            <a:r>
-              <a:rPr lang="pt-BR" sz="1100" dirty="0">
-                <a:latin typeface="Gotham HTF"/>
-              </a:rPr>
-              <a:t>Enquanto a umidade estiver fora da faixa ideal, o Display deve informar “Umidade. Baixa”, para valores abaixo de 50% e também mostrar a umidade;</a:t>
-            </a:r>
-          </a:p>
-          <a:p>
-            <a:pPr marL="342900" indent="-342900">
+            <a:endParaRPr lang="pt-BR" sz="1100" dirty="0">
+              <a:latin typeface="Gotham HTF"/>
+            </a:endParaRPr>
+          </a:p>
+          <a:p>
+            <a:pPr>
               <a:lnSpc>
                 <a:spcPct val="150000"/>
               </a:lnSpc>
               <a:spcBef>
                 <a:spcPts val="0"/>
               </a:spcBef>
-              <a:buFont typeface="+mj-lt"/>
-              <a:buAutoNum type="arabicPeriod"/>
             </a:pPr>
             <a:endParaRPr lang="pt-BR" sz="1100" dirty="0">
               <a:latin typeface="Gotham HTF"/>
             </a:endParaRPr>
           </a:p>
           <a:p>
-            <a:pPr marL="342900" indent="-342900">
+            <a:pPr>
               <a:lnSpc>
                 <a:spcPct val="150000"/>
               </a:lnSpc>
               <a:spcBef>
                 <a:spcPts val="0"/>
               </a:spcBef>
-              <a:buFont typeface="+mj-lt"/>
-              <a:buAutoNum type="arabicPeriod"/>
-            </a:pPr>
-            <a:endParaRPr lang="pt-BR" sz="1100" dirty="0">
-              <a:latin typeface="Gotham HTF"/>
-            </a:endParaRPr>
-          </a:p>
-          <a:p>
-            <a:pPr marL="0" indent="0">
-              <a:lnSpc>
-                <a:spcPct val="150000"/>
-              </a:lnSpc>
-              <a:spcBef>
-                <a:spcPts val="0"/>
-              </a:spcBef>
-              <a:buFont typeface="Arial" panose="020B0604020202020204" pitchFamily="34" charset="0"/>
-              <a:buNone/>
             </a:pPr>
             <a:endParaRPr lang="pt-BR" sz="1100" dirty="0">
               <a:latin typeface="Gotham HTF"/>
@@ -10336,17 +9715,14 @@
               <a:rPr lang="pt-BR" sz="1400" dirty="0">
                 <a:latin typeface="Gotham HTF"/>
               </a:rPr>
-              <a:t> não possui o sensor DHT11, mas você pode simular seu funcionamento a partir deste modelo: </a:t>
-            </a:r>
-            <a:r>
-              <a:rPr lang="pt-BR" sz="1400" b="1" u="sng" dirty="0">
-                <a:solidFill>
-                  <a:schemeClr val="accent1"/>
-                </a:solidFill>
-                <a:latin typeface="Gotham HTF"/>
-              </a:rPr>
-              <a:t>shorturl.at/jsHZ2</a:t>
-            </a:r>
+              <a:t> não possui o sensor DHT11, mas você pode simular seu funcionamento usando dois potenciômetros, um para temperatura e outro para umidade</a:t>
+            </a:r>
+            <a:endParaRPr lang="pt-BR" sz="1400" b="1" u="sng" dirty="0">
+              <a:solidFill>
+                <a:schemeClr val="accent1"/>
+              </a:solidFill>
+              <a:latin typeface="Gotham HTF"/>
+            </a:endParaRPr>
           </a:p>
           <a:p>
             <a:pPr lvl="1">
@@ -10384,32 +9760,29 @@
               <a:rPr lang="pt-BR" sz="1400" dirty="0">
                 <a:latin typeface="Gotham HTF"/>
               </a:rPr>
-              <a:t>Dica 2: O DHT11 utiliza uma biblioteca para facilitar a nossa vida. Aqui está um tutorial de como você pode usá-la (</a:t>
-            </a:r>
-            <a:r>
-              <a:rPr lang="pt-BR" sz="1400" b="1" u="sng" dirty="0">
-                <a:solidFill>
-                  <a:schemeClr val="accent1"/>
-                </a:solidFill>
+              <a:t>Dica 2: O DHT11 utiliza uma biblioteca para facilitar a nossa vida. Procure por usos da DHT Sensor Library </a:t>
+            </a:r>
+            <a:r>
+              <a:rPr lang="pt-BR" sz="1400" dirty="0" err="1">
                 <a:latin typeface="Gotham HTF"/>
               </a:rPr>
-              <a:t>shorturl.at/</a:t>
-            </a:r>
-            <a:r>
-              <a:rPr lang="pt-BR" sz="1400" b="1" u="sng" dirty="0" err="1">
-                <a:solidFill>
-                  <a:schemeClr val="accent1"/>
-                </a:solidFill>
-                <a:latin typeface="Gotham HTF"/>
-              </a:rPr>
-              <a:t>yEHSW</a:t>
+              <a:t>by</a:t>
             </a:r>
             <a:r>
               <a:rPr lang="pt-BR" sz="1400" dirty="0">
                 <a:latin typeface="Gotham HTF"/>
               </a:rPr>
-              <a:t>), mas existem inúmeras outras fontes na internet</a:t>
-            </a:r>
+              <a:t> </a:t>
+            </a:r>
+            <a:r>
+              <a:rPr lang="pt-BR" sz="1400" dirty="0" err="1">
+                <a:latin typeface="Gotham HTF"/>
+              </a:rPr>
+              <a:t>adafruit</a:t>
+            </a:r>
+            <a:endParaRPr lang="pt-BR" sz="1400" dirty="0">
+              <a:latin typeface="Gotham HTF"/>
+            </a:endParaRPr>
           </a:p>
           <a:p>
             <a:pPr lvl="1">
@@ -10463,6 +9836,45 @@
             </a:r>
           </a:p>
           <a:p>
+            <a:pPr lvl="1">
+              <a:lnSpc>
+                <a:spcPct val="100000"/>
+              </a:lnSpc>
+              <a:spcBef>
+                <a:spcPts val="0"/>
+              </a:spcBef>
+              <a:buClr>
+                <a:srgbClr val="ED265B"/>
+              </a:buClr>
+              <a:buFont typeface="Wingdings" panose="05000000000000000000" pitchFamily="2" charset="2"/>
+              <a:buChar char="v"/>
+            </a:pPr>
+            <a:endParaRPr lang="pt-BR" sz="1400" dirty="0">
+              <a:latin typeface="Gotham HTF"/>
+            </a:endParaRPr>
+          </a:p>
+          <a:p>
+            <a:pPr lvl="1">
+              <a:lnSpc>
+                <a:spcPct val="100000"/>
+              </a:lnSpc>
+              <a:spcBef>
+                <a:spcPts val="0"/>
+              </a:spcBef>
+              <a:buClr>
+                <a:srgbClr val="ED265B"/>
+              </a:buClr>
+              <a:buFont typeface="Wingdings" panose="05000000000000000000" pitchFamily="2" charset="2"/>
+              <a:buChar char="v"/>
+            </a:pPr>
+            <a:r>
+              <a:rPr lang="pt-BR" sz="1400" dirty="0">
+                <a:latin typeface="Gotham HTF"/>
+              </a:rPr>
+              <a:t>Dica 4: O Display de 16x2 é a parte mais difícil do projeto, pois ele usa a comunicação paralela. Pesquise as formas corretas de usa-lo</a:t>
+            </a:r>
+          </a:p>
+          <a:p>
             <a:pPr>
               <a:lnSpc>
                 <a:spcPct val="100000"/>
@@ -10520,66 +9932,6 @@
             </a:r>
           </a:p>
           <a:p>
-            <a:pPr lvl="1">
-              <a:lnSpc>
-                <a:spcPct val="100000"/>
-              </a:lnSpc>
-              <a:spcBef>
-                <a:spcPts val="0"/>
-              </a:spcBef>
-              <a:buClr>
-                <a:srgbClr val="ED265B"/>
-              </a:buClr>
-              <a:buFont typeface="Wingdings" panose="05000000000000000000" pitchFamily="2" charset="2"/>
-              <a:buChar char="v"/>
-            </a:pPr>
-            <a:r>
-              <a:rPr lang="pt-BR" sz="1400" dirty="0">
-                <a:latin typeface="Gotham HTF"/>
-              </a:rPr>
-              <a:t>Dica 4: Dicas de como fazer um bom README: </a:t>
-            </a:r>
-            <a:r>
-              <a:rPr lang="pt-BR" sz="1400" b="1" u="sng" dirty="0">
-                <a:solidFill>
-                  <a:schemeClr val="accent1"/>
-                </a:solidFill>
-                <a:latin typeface="Gotham HTF"/>
-              </a:rPr>
-              <a:t>shorturl.at/cfoH9</a:t>
-            </a:r>
-          </a:p>
-          <a:p>
-            <a:pPr lvl="1">
-              <a:lnSpc>
-                <a:spcPct val="100000"/>
-              </a:lnSpc>
-              <a:spcBef>
-                <a:spcPts val="0"/>
-              </a:spcBef>
-              <a:buClr>
-                <a:srgbClr val="ED265B"/>
-              </a:buClr>
-              <a:buFont typeface="Wingdings" panose="05000000000000000000" pitchFamily="2" charset="2"/>
-              <a:buChar char="v"/>
-            </a:pPr>
-            <a:r>
-              <a:rPr lang="pt-BR" sz="1400" dirty="0">
-                <a:latin typeface="Gotham HTF"/>
-              </a:rPr>
-              <a:t>Dica 5: Como deixar o REDME bonitão: </a:t>
-            </a:r>
-            <a:r>
-              <a:rPr lang="pt-BR" sz="1400" b="1" u="sng" dirty="0">
-                <a:solidFill>
-                  <a:schemeClr val="accent1"/>
-                </a:solidFill>
-                <a:latin typeface="Gotham HTF"/>
-              </a:rPr>
-              <a:t>https://www.youtube.com/watch?v=HJ16WEmOWTw</a:t>
-            </a:r>
-          </a:p>
-          <a:p>
             <a:pPr>
               <a:lnSpc>
                 <a:spcPct val="100000"/>
@@ -10616,39 +9968,6 @@
                 <a:latin typeface="Gotham HTF"/>
               </a:rPr>
               <a:t> Vídeo de no máximo 3 minutos explicando como o projeto foi  implementado, quais foram as dificuldades encontradas e como foram resolvidas;</a:t>
-            </a:r>
-          </a:p>
-          <a:p>
-            <a:pPr lvl="1">
-              <a:lnSpc>
-                <a:spcPct val="100000"/>
-              </a:lnSpc>
-              <a:spcBef>
-                <a:spcPts val="0"/>
-              </a:spcBef>
-              <a:buClr>
-                <a:srgbClr val="ED265B"/>
-              </a:buClr>
-              <a:buFont typeface="Wingdings" panose="05000000000000000000" pitchFamily="2" charset="2"/>
-              <a:buChar char="v"/>
-            </a:pPr>
-            <a:r>
-              <a:rPr lang="pt-BR" sz="1400" dirty="0">
-                <a:latin typeface="Gotham HTF"/>
-              </a:rPr>
-              <a:t>Dica 6: Você pode usar softwares de captura de tela, como o </a:t>
-            </a:r>
-            <a:r>
-              <a:rPr lang="pt-BR" sz="1400" dirty="0" err="1">
-                <a:latin typeface="Gotham HTF"/>
-              </a:rPr>
-              <a:t>Loom</a:t>
-            </a:r>
-            <a:r>
-              <a:rPr lang="pt-BR" sz="1400" dirty="0">
-                <a:latin typeface="Gotham HTF"/>
-              </a:rPr>
-              <a:t>, ou mesmo softwares específicos para criação de vídeo como o OBS.</a:t>
             </a:r>
           </a:p>
           <a:p>
@@ -11521,14 +10840,14 @@
                 <a:latin typeface="Gotham HTF Light"/>
                 <a:cs typeface="Gotham HTF Light"/>
               </a:rPr>
-              <a:t>2 </a:t>
+              <a:t>1 </a:t>
             </a:r>
             <a:r>
               <a:rPr lang="en-US" sz="1400" dirty="0" err="1">
                 <a:latin typeface="Gotham HTF Light"/>
                 <a:cs typeface="Gotham HTF Light"/>
               </a:rPr>
-              <a:t>pontos</a:t>
+              <a:t>ponto</a:t>
             </a:r>
             <a:r>
               <a:rPr lang="en-US" sz="1400" dirty="0">
